--- a/data/interest_rate.pptx
+++ b/data/interest_rate.pptx
@@ -7,7 +7,10 @@
   <p:sldIdLst>
     <p:sldId id="257" r:id="rId5"/>
     <p:sldId id="259" r:id="rId6"/>
-    <p:sldId id="258" r:id="rId7"/>
+    <p:sldId id="260" r:id="rId7"/>
+    <p:sldId id="261" r:id="rId8"/>
+    <p:sldId id="262" r:id="rId9"/>
+    <p:sldId id="258" r:id="rId10"/>
   </p:sldIdLst>
   <p:sldSz cx="12192000" cy="6858000"/>
   <p:notesSz cx="6858000" cy="9144000"/>
@@ -4086,7 +4089,10 @@
           <a:bodyPr/>
           <a:lstStyle/>
           <a:p>
-            <a:endParaRPr lang="en-US"/>
+            <a:r>
+              <a:rPr lang="en-US" dirty="0"/>
+              <a:t>Linear Regression Case Study</a:t>
+            </a:r>
           </a:p>
         </p:txBody>
       </p:sp>
@@ -4111,10 +4117,70 @@
           <a:bodyPr/>
           <a:lstStyle/>
           <a:p>
-            <a:endParaRPr lang="en-US"/>
-          </a:p>
-        </p:txBody>
-      </p:sp>
+            <a:pPr marL="0" indent="0">
+              <a:buNone/>
+            </a:pPr>
+            <a:r>
+              <a:rPr lang="en-US" dirty="0"/>
+              <a:t>(PROJECT GOAL) The dataset that the EDA was performed on was from a bank. The goal was to build a linear regression model to predict interest rates based on 'FICO score ranges' and assess how well the model generalizes to unseen data using cross-validation.</a:t>
+            </a:r>
+          </a:p>
+          <a:p>
+            <a:pPr marL="0" indent="0">
+              <a:buNone/>
+            </a:pPr>
+            <a:r>
+              <a:rPr lang="en-US" dirty="0"/>
+              <a:t>Null Hypothesis: There is no relationship between FICO scores and interest rates</a:t>
+            </a:r>
+          </a:p>
+          <a:p>
+            <a:pPr marL="0" indent="0">
+              <a:buNone/>
+            </a:pPr>
+            <a:r>
+              <a:rPr lang="en-US" dirty="0"/>
+              <a:t>Alternative Hypothesis: There is a relationship between FICO scores and interest rates</a:t>
+            </a:r>
+          </a:p>
+        </p:txBody>
+      </p:sp>
+      <p:pic>
+        <p:nvPicPr>
+          <p:cNvPr id="7" name="Picture 6" descr="Graphical user interface, application&#10;&#10;Description automatically generated">
+            <a:extLst>
+              <a:ext uri="{FF2B5EF4-FFF2-40B4-BE49-F238E27FC236}">
+                <a16:creationId xmlns:a16="http://schemas.microsoft.com/office/drawing/2014/main" id="{D807BAC2-C709-E26B-44BB-001A0BC52CB8}"/>
+              </a:ext>
+            </a:extLst>
+          </p:cNvPr>
+          <p:cNvPicPr>
+            <a:picLocks noChangeAspect="1"/>
+          </p:cNvPicPr>
+          <p:nvPr/>
+        </p:nvPicPr>
+        <p:blipFill>
+          <a:blip r:embed="rId2">
+            <a:extLst>
+              <a:ext uri="{28A0092B-C50C-407E-A947-70E740481C1C}">
+                <a14:useLocalDpi xmlns:a14="http://schemas.microsoft.com/office/drawing/2010/main" val="0"/>
+              </a:ext>
+            </a:extLst>
+          </a:blip>
+          <a:stretch>
+            <a:fillRect/>
+          </a:stretch>
+        </p:blipFill>
+        <p:spPr>
+          <a:xfrm>
+            <a:off x="3334527" y="4172803"/>
+            <a:ext cx="4601217" cy="1514686"/>
+          </a:xfrm>
+          <a:prstGeom prst="rect">
+            <a:avLst/>
+          </a:prstGeom>
+        </p:spPr>
+      </p:pic>
     </p:spTree>
     <p:extLst>
       <p:ext uri="{BB962C8B-B14F-4D97-AF65-F5344CB8AC3E}">
@@ -4129,6 +4195,601 @@
 </file>
 
 <file path=ppt/slides/slide3.xml><?xml version="1.0" encoding="utf-8"?>
+<p:sld xmlns:a="http://schemas.openxmlformats.org/drawingml/2006/main" xmlns:r="http://schemas.openxmlformats.org/officeDocument/2006/relationships" xmlns:p="http://schemas.openxmlformats.org/presentationml/2006/main">
+  <p:cSld>
+    <p:spTree>
+      <p:nvGrpSpPr>
+        <p:cNvPr id="1" name=""/>
+        <p:cNvGrpSpPr/>
+        <p:nvPr/>
+      </p:nvGrpSpPr>
+      <p:grpSpPr>
+        <a:xfrm>
+          <a:off x="0" y="0"/>
+          <a:ext cx="0" cy="0"/>
+          <a:chOff x="0" y="0"/>
+          <a:chExt cx="0" cy="0"/>
+        </a:xfrm>
+      </p:grpSpPr>
+      <p:sp>
+        <p:nvSpPr>
+          <p:cNvPr id="2" name="Title 1">
+            <a:extLst>
+              <a:ext uri="{FF2B5EF4-FFF2-40B4-BE49-F238E27FC236}">
+                <a16:creationId xmlns:a16="http://schemas.microsoft.com/office/drawing/2014/main" id="{ECEFC40D-61A4-5761-52DF-52A85CB99663}"/>
+              </a:ext>
+            </a:extLst>
+          </p:cNvPr>
+          <p:cNvSpPr>
+            <a:spLocks noGrp="1"/>
+          </p:cNvSpPr>
+          <p:nvPr>
+            <p:ph type="title"/>
+          </p:nvPr>
+        </p:nvSpPr>
+        <p:spPr/>
+        <p:txBody>
+          <a:bodyPr/>
+          <a:lstStyle/>
+          <a:p>
+            <a:pPr algn="ctr"/>
+            <a:r>
+              <a:rPr lang="en-US" dirty="0"/>
+              <a:t>Describe the Data</a:t>
+            </a:r>
+          </a:p>
+        </p:txBody>
+      </p:sp>
+      <p:sp>
+        <p:nvSpPr>
+          <p:cNvPr id="3" name="Content Placeholder 2">
+            <a:extLst>
+              <a:ext uri="{FF2B5EF4-FFF2-40B4-BE49-F238E27FC236}">
+                <a16:creationId xmlns:a16="http://schemas.microsoft.com/office/drawing/2014/main" id="{DBD804E5-4A82-D9E2-5D7F-A613182E5BFA}"/>
+              </a:ext>
+            </a:extLst>
+          </p:cNvPr>
+          <p:cNvSpPr>
+            <a:spLocks noGrp="1"/>
+          </p:cNvSpPr>
+          <p:nvPr>
+            <p:ph idx="1"/>
+          </p:nvPr>
+        </p:nvSpPr>
+        <p:spPr/>
+        <p:txBody>
+          <a:bodyPr/>
+          <a:lstStyle/>
+          <a:p>
+            <a:pPr>
+              <a:buFont typeface="Wingdings" panose="05000000000000000000" pitchFamily="2" charset="2"/>
+              <a:buChar char="Ø"/>
+            </a:pPr>
+            <a:r>
+              <a:rPr lang="en-US" dirty="0"/>
+              <a:t> The dataset comprised of 5 rows and 2498 columns</a:t>
+            </a:r>
+          </a:p>
+          <a:p>
+            <a:pPr>
+              <a:buFont typeface="Wingdings" panose="05000000000000000000" pitchFamily="2" charset="2"/>
+              <a:buChar char="Ø"/>
+            </a:pPr>
+            <a:r>
+              <a:rPr lang="en-US" dirty="0"/>
+              <a:t>Column names: Interest Rate, FICO Range, Amount Requested, Amount Funded by Investors, Loan Length. </a:t>
+            </a:r>
+          </a:p>
+          <a:p>
+            <a:pPr>
+              <a:buFont typeface="Wingdings" panose="05000000000000000000" pitchFamily="2" charset="2"/>
+              <a:buChar char="Ø"/>
+            </a:pPr>
+            <a:r>
+              <a:rPr lang="en-US" dirty="0"/>
+              <a:t>The target was the Interest Rates column</a:t>
+            </a:r>
+          </a:p>
+          <a:p>
+            <a:pPr>
+              <a:buFont typeface="Wingdings" panose="05000000000000000000" pitchFamily="2" charset="2"/>
+              <a:buChar char="Ø"/>
+            </a:pPr>
+            <a:r>
+              <a:rPr lang="en-US" dirty="0"/>
+              <a:t>Three features were used: FICO Range, Amount Funded by Investors and Loan Length. These were all numerical</a:t>
+            </a:r>
+          </a:p>
+          <a:p>
+            <a:pPr>
+              <a:buFont typeface="Wingdings" panose="05000000000000000000" pitchFamily="2" charset="2"/>
+              <a:buChar char="Ø"/>
+            </a:pPr>
+            <a:r>
+              <a:rPr lang="en-US" dirty="0"/>
+              <a:t>No data was missing. Categorized loan length in order to compare the alternate to the default. Loan length was separated into 2 different categories and compared with less entries to the category with more</a:t>
+            </a:r>
+          </a:p>
+          <a:p>
+            <a:pPr>
+              <a:buFont typeface="Wingdings" panose="05000000000000000000" pitchFamily="2" charset="2"/>
+              <a:buChar char="Ø"/>
+            </a:pPr>
+            <a:endParaRPr lang="en-US" dirty="0"/>
+          </a:p>
+          <a:p>
+            <a:pPr>
+              <a:buFont typeface="Wingdings" panose="05000000000000000000" pitchFamily="2" charset="2"/>
+              <a:buChar char="Ø"/>
+            </a:pPr>
+            <a:endParaRPr lang="en-US" dirty="0"/>
+          </a:p>
+          <a:p>
+            <a:pPr>
+              <a:buFont typeface="Wingdings" panose="05000000000000000000" pitchFamily="2" charset="2"/>
+              <a:buChar char="Ø"/>
+            </a:pPr>
+            <a:endParaRPr lang="en-US" dirty="0"/>
+          </a:p>
+        </p:txBody>
+      </p:sp>
+    </p:spTree>
+    <p:extLst>
+      <p:ext uri="{BB962C8B-B14F-4D97-AF65-F5344CB8AC3E}">
+        <p14:creationId xmlns:p14="http://schemas.microsoft.com/office/powerpoint/2010/main" val="2397637253"/>
+      </p:ext>
+    </p:extLst>
+  </p:cSld>
+  <p:clrMapOvr>
+    <a:masterClrMapping/>
+  </p:clrMapOvr>
+</p:sld>
+</file>
+
+<file path=ppt/slides/slide4.xml><?xml version="1.0" encoding="utf-8"?>
+<p:sld xmlns:a="http://schemas.openxmlformats.org/drawingml/2006/main" xmlns:r="http://schemas.openxmlformats.org/officeDocument/2006/relationships" xmlns:p="http://schemas.openxmlformats.org/presentationml/2006/main">
+  <p:cSld>
+    <p:spTree>
+      <p:nvGrpSpPr>
+        <p:cNvPr id="1" name=""/>
+        <p:cNvGrpSpPr/>
+        <p:nvPr/>
+      </p:nvGrpSpPr>
+      <p:grpSpPr>
+        <a:xfrm>
+          <a:off x="0" y="0"/>
+          <a:ext cx="0" cy="0"/>
+          <a:chOff x="0" y="0"/>
+          <a:chExt cx="0" cy="0"/>
+        </a:xfrm>
+      </p:grpSpPr>
+      <p:sp>
+        <p:nvSpPr>
+          <p:cNvPr id="2" name="Title 1">
+            <a:extLst>
+              <a:ext uri="{FF2B5EF4-FFF2-40B4-BE49-F238E27FC236}">
+                <a16:creationId xmlns:a16="http://schemas.microsoft.com/office/drawing/2014/main" id="{ECEFC40D-61A4-5761-52DF-52A85CB99663}"/>
+              </a:ext>
+            </a:extLst>
+          </p:cNvPr>
+          <p:cNvSpPr>
+            <a:spLocks noGrp="1"/>
+          </p:cNvSpPr>
+          <p:nvPr>
+            <p:ph type="title"/>
+          </p:nvPr>
+        </p:nvSpPr>
+        <p:spPr/>
+        <p:txBody>
+          <a:bodyPr/>
+          <a:lstStyle/>
+          <a:p>
+            <a:pPr algn="ctr"/>
+            <a:r>
+              <a:rPr lang="en-US" dirty="0"/>
+              <a:t>Describe the Data cont.</a:t>
+            </a:r>
+          </a:p>
+        </p:txBody>
+      </p:sp>
+      <p:sp>
+        <p:nvSpPr>
+          <p:cNvPr id="3" name="Content Placeholder 2">
+            <a:extLst>
+              <a:ext uri="{FF2B5EF4-FFF2-40B4-BE49-F238E27FC236}">
+                <a16:creationId xmlns:a16="http://schemas.microsoft.com/office/drawing/2014/main" id="{DBD804E5-4A82-D9E2-5D7F-A613182E5BFA}"/>
+              </a:ext>
+            </a:extLst>
+          </p:cNvPr>
+          <p:cNvSpPr>
+            <a:spLocks noGrp="1"/>
+          </p:cNvSpPr>
+          <p:nvPr>
+            <p:ph idx="1"/>
+          </p:nvPr>
+        </p:nvSpPr>
+        <p:spPr>
+          <a:xfrm>
+            <a:off x="1097280" y="2108202"/>
+            <a:ext cx="10058400" cy="863598"/>
+          </a:xfrm>
+        </p:spPr>
+        <p:txBody>
+          <a:bodyPr/>
+          <a:lstStyle/>
+          <a:p>
+            <a:pPr>
+              <a:buFont typeface="Wingdings" panose="05000000000000000000" pitchFamily="2" charset="2"/>
+              <a:buChar char="Ø"/>
+            </a:pPr>
+            <a:r>
+              <a:rPr lang="en-US" dirty="0"/>
+              <a:t> It was discovered that there were correlations with the FICO score and the interest rate based off our pair plot </a:t>
+            </a:r>
+          </a:p>
+          <a:p>
+            <a:pPr>
+              <a:buFont typeface="Wingdings" panose="05000000000000000000" pitchFamily="2" charset="2"/>
+              <a:buChar char="Ø"/>
+            </a:pPr>
+            <a:endParaRPr lang="en-US" dirty="0"/>
+          </a:p>
+          <a:p>
+            <a:pPr>
+              <a:buFont typeface="Wingdings" panose="05000000000000000000" pitchFamily="2" charset="2"/>
+              <a:buChar char="Ø"/>
+            </a:pPr>
+            <a:endParaRPr lang="en-US" dirty="0"/>
+          </a:p>
+        </p:txBody>
+      </p:sp>
+      <p:pic>
+        <p:nvPicPr>
+          <p:cNvPr id="5" name="Picture 4" descr="Chart, scatter chart&#10;&#10;Description automatically generated">
+            <a:extLst>
+              <a:ext uri="{FF2B5EF4-FFF2-40B4-BE49-F238E27FC236}">
+                <a16:creationId xmlns:a16="http://schemas.microsoft.com/office/drawing/2014/main" id="{589169D4-743A-8922-F9C2-FA5FA88B44C9}"/>
+              </a:ext>
+            </a:extLst>
+          </p:cNvPr>
+          <p:cNvPicPr>
+            <a:picLocks noChangeAspect="1"/>
+          </p:cNvPicPr>
+          <p:nvPr/>
+        </p:nvPicPr>
+        <p:blipFill>
+          <a:blip r:embed="rId2">
+            <a:extLst>
+              <a:ext uri="{28A0092B-C50C-407E-A947-70E740481C1C}">
+                <a14:useLocalDpi xmlns:a14="http://schemas.microsoft.com/office/drawing/2010/main" val="0"/>
+              </a:ext>
+            </a:extLst>
+          </a:blip>
+          <a:stretch>
+            <a:fillRect/>
+          </a:stretch>
+        </p:blipFill>
+        <p:spPr>
+          <a:xfrm>
+            <a:off x="938021" y="3500278"/>
+            <a:ext cx="2734057" cy="2276793"/>
+          </a:xfrm>
+          <a:prstGeom prst="rect">
+            <a:avLst/>
+          </a:prstGeom>
+        </p:spPr>
+      </p:pic>
+      <p:pic>
+        <p:nvPicPr>
+          <p:cNvPr id="7" name="Picture 6">
+            <a:extLst>
+              <a:ext uri="{FF2B5EF4-FFF2-40B4-BE49-F238E27FC236}">
+                <a16:creationId xmlns:a16="http://schemas.microsoft.com/office/drawing/2014/main" id="{627C0221-6FBE-E29A-4348-FC9FF5354859}"/>
+              </a:ext>
+            </a:extLst>
+          </p:cNvPr>
+          <p:cNvPicPr>
+            <a:picLocks noChangeAspect="1"/>
+          </p:cNvPicPr>
+          <p:nvPr/>
+        </p:nvPicPr>
+        <p:blipFill>
+          <a:blip r:embed="rId3">
+            <a:extLst>
+              <a:ext uri="{28A0092B-C50C-407E-A947-70E740481C1C}">
+                <a14:useLocalDpi xmlns:a14="http://schemas.microsoft.com/office/drawing/2010/main" val="0"/>
+              </a:ext>
+            </a:extLst>
+          </a:blip>
+          <a:stretch>
+            <a:fillRect/>
+          </a:stretch>
+        </p:blipFill>
+        <p:spPr>
+          <a:xfrm>
+            <a:off x="2016057" y="5764381"/>
+            <a:ext cx="971686" cy="190527"/>
+          </a:xfrm>
+          <a:prstGeom prst="rect">
+            <a:avLst/>
+          </a:prstGeom>
+        </p:spPr>
+      </p:pic>
+      <p:pic>
+        <p:nvPicPr>
+          <p:cNvPr id="10" name="Picture 9" descr="Chart, histogram&#10;&#10;Description automatically generated">
+            <a:extLst>
+              <a:ext uri="{FF2B5EF4-FFF2-40B4-BE49-F238E27FC236}">
+                <a16:creationId xmlns:a16="http://schemas.microsoft.com/office/drawing/2014/main" id="{27458BE3-EBB2-628B-A827-8F7C7083E7B9}"/>
+              </a:ext>
+            </a:extLst>
+          </p:cNvPr>
+          <p:cNvPicPr>
+            <a:picLocks noChangeAspect="1"/>
+          </p:cNvPicPr>
+          <p:nvPr/>
+        </p:nvPicPr>
+        <p:blipFill>
+          <a:blip r:embed="rId4">
+            <a:extLst>
+              <a:ext uri="{28A0092B-C50C-407E-A947-70E740481C1C}">
+                <a14:useLocalDpi xmlns:a14="http://schemas.microsoft.com/office/drawing/2010/main" val="0"/>
+              </a:ext>
+            </a:extLst>
+          </a:blip>
+          <a:stretch>
+            <a:fillRect/>
+          </a:stretch>
+        </p:blipFill>
+        <p:spPr>
+          <a:xfrm>
+            <a:off x="3819339" y="3462178"/>
+            <a:ext cx="2667372" cy="2648320"/>
+          </a:xfrm>
+          <a:prstGeom prst="rect">
+            <a:avLst/>
+          </a:prstGeom>
+        </p:spPr>
+      </p:pic>
+      <p:sp>
+        <p:nvSpPr>
+          <p:cNvPr id="11" name="TextBox 10">
+            <a:extLst>
+              <a:ext uri="{FF2B5EF4-FFF2-40B4-BE49-F238E27FC236}">
+                <a16:creationId xmlns:a16="http://schemas.microsoft.com/office/drawing/2014/main" id="{C9334416-61DF-5749-FA4C-E9E3722873E1}"/>
+              </a:ext>
+            </a:extLst>
+          </p:cNvPr>
+          <p:cNvSpPr txBox="1"/>
+          <p:nvPr/>
+        </p:nvSpPr>
+        <p:spPr>
+          <a:xfrm>
+            <a:off x="7448550" y="3462177"/>
+            <a:ext cx="3581400" cy="1200329"/>
+          </a:xfrm>
+          <a:prstGeom prst="rect">
+            <a:avLst/>
+          </a:prstGeom>
+          <a:noFill/>
+        </p:spPr>
+        <p:txBody>
+          <a:bodyPr wrap="square" rtlCol="0">
+            <a:spAutoFit/>
+          </a:bodyPr>
+          <a:lstStyle/>
+          <a:p>
+            <a:pPr marL="285750" indent="-285750">
+              <a:buFont typeface="Wingdings" panose="05000000000000000000" pitchFamily="2" charset="2"/>
+              <a:buChar char="Ø"/>
+            </a:pPr>
+            <a:r>
+              <a:rPr lang="en-US" dirty="0"/>
+              <a:t>Through our analysis there was no correlation observed between Interest Rates and other columns</a:t>
+            </a:r>
+          </a:p>
+        </p:txBody>
+      </p:sp>
+    </p:spTree>
+    <p:extLst>
+      <p:ext uri="{BB962C8B-B14F-4D97-AF65-F5344CB8AC3E}">
+        <p14:creationId xmlns:p14="http://schemas.microsoft.com/office/powerpoint/2010/main" val="1756566596"/>
+      </p:ext>
+    </p:extLst>
+  </p:cSld>
+  <p:clrMapOvr>
+    <a:masterClrMapping/>
+  </p:clrMapOvr>
+</p:sld>
+</file>
+
+<file path=ppt/slides/slide5.xml><?xml version="1.0" encoding="utf-8"?>
+<p:sld xmlns:a="http://schemas.openxmlformats.org/drawingml/2006/main" xmlns:r="http://schemas.openxmlformats.org/officeDocument/2006/relationships" xmlns:p="http://schemas.openxmlformats.org/presentationml/2006/main">
+  <p:cSld>
+    <p:spTree>
+      <p:nvGrpSpPr>
+        <p:cNvPr id="1" name=""/>
+        <p:cNvGrpSpPr/>
+        <p:nvPr/>
+      </p:nvGrpSpPr>
+      <p:grpSpPr>
+        <a:xfrm>
+          <a:off x="0" y="0"/>
+          <a:ext cx="0" cy="0"/>
+          <a:chOff x="0" y="0"/>
+          <a:chExt cx="0" cy="0"/>
+        </a:xfrm>
+      </p:grpSpPr>
+      <p:sp>
+        <p:nvSpPr>
+          <p:cNvPr id="2" name="Title 1">
+            <a:extLst>
+              <a:ext uri="{FF2B5EF4-FFF2-40B4-BE49-F238E27FC236}">
+                <a16:creationId xmlns:a16="http://schemas.microsoft.com/office/drawing/2014/main" id="{ECEFC40D-61A4-5761-52DF-52A85CB99663}"/>
+              </a:ext>
+            </a:extLst>
+          </p:cNvPr>
+          <p:cNvSpPr>
+            <a:spLocks noGrp="1"/>
+          </p:cNvSpPr>
+          <p:nvPr>
+            <p:ph type="title"/>
+          </p:nvPr>
+        </p:nvSpPr>
+        <p:spPr/>
+        <p:txBody>
+          <a:bodyPr/>
+          <a:lstStyle/>
+          <a:p>
+            <a:pPr algn="ctr"/>
+            <a:r>
+              <a:rPr lang="en-US" dirty="0"/>
+              <a:t>Steps To Build Our Model</a:t>
+            </a:r>
+          </a:p>
+        </p:txBody>
+      </p:sp>
+      <p:sp>
+        <p:nvSpPr>
+          <p:cNvPr id="3" name="Content Placeholder 2">
+            <a:extLst>
+              <a:ext uri="{FF2B5EF4-FFF2-40B4-BE49-F238E27FC236}">
+                <a16:creationId xmlns:a16="http://schemas.microsoft.com/office/drawing/2014/main" id="{DBD804E5-4A82-D9E2-5D7F-A613182E5BFA}"/>
+              </a:ext>
+            </a:extLst>
+          </p:cNvPr>
+          <p:cNvSpPr>
+            <a:spLocks noGrp="1"/>
+          </p:cNvSpPr>
+          <p:nvPr>
+            <p:ph idx="1"/>
+          </p:nvPr>
+        </p:nvSpPr>
+        <p:spPr>
+          <a:xfrm>
+            <a:off x="1097280" y="2108201"/>
+            <a:ext cx="4674870" cy="3760891"/>
+          </a:xfrm>
+        </p:spPr>
+        <p:txBody>
+          <a:bodyPr/>
+          <a:lstStyle/>
+          <a:p>
+            <a:pPr marL="457200" indent="-457200">
+              <a:buFont typeface="+mj-lt"/>
+              <a:buAutoNum type="arabicParenR"/>
+            </a:pPr>
+            <a:r>
+              <a:rPr lang="en-US" dirty="0"/>
+              <a:t> Imported the dataset and displayed it to determine data type and features for the purpose of identifying </a:t>
+            </a:r>
+          </a:p>
+          <a:p>
+            <a:pPr marL="457200" indent="-457200">
+              <a:buFont typeface="+mj-lt"/>
+              <a:buAutoNum type="arabicParenR"/>
+            </a:pPr>
+            <a:r>
+              <a:rPr lang="en-US" dirty="0"/>
+              <a:t>Converted FICO score data from string to a numerical value for further analysis</a:t>
+            </a:r>
+          </a:p>
+          <a:p>
+            <a:pPr marL="457200" indent="-457200">
+              <a:buFont typeface="+mj-lt"/>
+              <a:buAutoNum type="arabicParenR"/>
+            </a:pPr>
+            <a:r>
+              <a:rPr lang="en-US" dirty="0"/>
+              <a:t>Split the data into testing and train sets </a:t>
+            </a:r>
+          </a:p>
+          <a:p>
+            <a:pPr marL="457200" indent="-457200">
+              <a:buFont typeface="+mj-lt"/>
+              <a:buAutoNum type="arabicParenR"/>
+            </a:pPr>
+            <a:r>
+              <a:rPr lang="en-US" dirty="0"/>
+              <a:t>Constructed a linear regression model</a:t>
+            </a:r>
+          </a:p>
+          <a:p>
+            <a:pPr marL="457200" indent="-457200">
+              <a:buFont typeface="+mj-lt"/>
+              <a:buAutoNum type="arabicParenR"/>
+            </a:pPr>
+            <a:r>
+              <a:rPr lang="en-US" dirty="0"/>
+              <a:t>Fit the model to the training set in order to train the training set </a:t>
+            </a:r>
+          </a:p>
+          <a:p>
+            <a:pPr>
+              <a:buFont typeface="Wingdings" panose="05000000000000000000" pitchFamily="2" charset="2"/>
+              <a:buChar char="Ø"/>
+            </a:pPr>
+            <a:endParaRPr lang="en-US" dirty="0"/>
+          </a:p>
+          <a:p>
+            <a:pPr>
+              <a:buFont typeface="Wingdings" panose="05000000000000000000" pitchFamily="2" charset="2"/>
+              <a:buChar char="Ø"/>
+            </a:pPr>
+            <a:endParaRPr lang="en-US" dirty="0"/>
+          </a:p>
+        </p:txBody>
+      </p:sp>
+      <p:pic>
+        <p:nvPicPr>
+          <p:cNvPr id="5" name="Picture 4" descr="Chart, scatter chart&#10;&#10;Description automatically generated">
+            <a:extLst>
+              <a:ext uri="{FF2B5EF4-FFF2-40B4-BE49-F238E27FC236}">
+                <a16:creationId xmlns:a16="http://schemas.microsoft.com/office/drawing/2014/main" id="{2DF02223-0B78-58EA-D155-A24EFC0FA896}"/>
+              </a:ext>
+            </a:extLst>
+          </p:cNvPr>
+          <p:cNvPicPr>
+            <a:picLocks noChangeAspect="1"/>
+          </p:cNvPicPr>
+          <p:nvPr/>
+        </p:nvPicPr>
+        <p:blipFill>
+          <a:blip r:embed="rId2">
+            <a:extLst>
+              <a:ext uri="{28A0092B-C50C-407E-A947-70E740481C1C}">
+                <a14:useLocalDpi xmlns:a14="http://schemas.microsoft.com/office/drawing/2010/main" val="0"/>
+              </a:ext>
+            </a:extLst>
+          </a:blip>
+          <a:stretch>
+            <a:fillRect/>
+          </a:stretch>
+        </p:blipFill>
+        <p:spPr>
+          <a:xfrm>
+            <a:off x="0" y="1013526"/>
+            <a:ext cx="12192000" cy="4830947"/>
+          </a:xfrm>
+          <a:prstGeom prst="rect">
+            <a:avLst/>
+          </a:prstGeom>
+        </p:spPr>
+      </p:pic>
+    </p:spTree>
+    <p:extLst>
+      <p:ext uri="{BB962C8B-B14F-4D97-AF65-F5344CB8AC3E}">
+        <p14:creationId xmlns:p14="http://schemas.microsoft.com/office/powerpoint/2010/main" val="185423212"/>
+      </p:ext>
+    </p:extLst>
+  </p:cSld>
+  <p:clrMapOvr>
+    <a:masterClrMapping/>
+  </p:clrMapOvr>
+</p:sld>
+</file>
+
+<file path=ppt/slides/slide6.xml><?xml version="1.0" encoding="utf-8"?>
 <p:sld xmlns:a="http://schemas.openxmlformats.org/drawingml/2006/main" xmlns:r="http://schemas.openxmlformats.org/officeDocument/2006/relationships" xmlns:p="http://schemas.openxmlformats.org/presentationml/2006/main">
   <p:cSld>
     <p:bg>
@@ -4647,12 +5308,23 @@
 </file>
 
 <file path=customXml/item1.xml><?xml version="1.0" encoding="utf-8"?>
-<?mso-contentType ?>
-<FormTemplates xmlns="http://schemas.microsoft.com/sharepoint/v3/contenttype/forms">
-  <Display>DocumentLibraryForm</Display>
-  <Edit>DocumentLibraryForm</Edit>
-  <New>DocumentLibraryForm</New>
-</FormTemplates>
+<p:properties xmlns:p="http://schemas.microsoft.com/office/2006/metadata/properties" xmlns:xsi="http://www.w3.org/2001/XMLSchema-instance" xmlns:pc="http://schemas.microsoft.com/office/infopath/2007/PartnerControls">
+  <documentManagement>
+    <_ip_UnifiedCompliancePolicyUIAction xmlns="http://schemas.microsoft.com/sharepoint/v3" xsi:nil="true"/>
+    <Image xmlns="71af3243-3dd4-4a8d-8c0d-dd76da1f02a5">
+      <Url xsi:nil="true"/>
+      <Description xsi:nil="true"/>
+    </Image>
+    <Status xmlns="71af3243-3dd4-4a8d-8c0d-dd76da1f02a5">Not started</Status>
+    <Background xmlns="71af3243-3dd4-4a8d-8c0d-dd76da1f02a5">false</Background>
+    <_ip_UnifiedCompliancePolicyProperties xmlns="http://schemas.microsoft.com/sharepoint/v3" xsi:nil="true"/>
+    <ImageTagsTaxHTField xmlns="71af3243-3dd4-4a8d-8c0d-dd76da1f02a5">
+      <Terms xmlns="http://schemas.microsoft.com/office/infopath/2007/PartnerControls"/>
+    </ImageTagsTaxHTField>
+    <TaxCatchAll xmlns="230e9df3-be65-4c73-a93b-d1236ebd677e" xsi:nil="true"/>
+    <MediaServiceKeyPoints xmlns="71af3243-3dd4-4a8d-8c0d-dd76da1f02a5" xsi:nil="true"/>
+  </documentManagement>
+</p:properties>
 </file>
 
 <file path=customXml/item2.xml><?xml version="1.0" encoding="utf-8"?>
@@ -4962,29 +5634,22 @@
 </file>
 
 <file path=customXml/item3.xml><?xml version="1.0" encoding="utf-8"?>
-<p:properties xmlns:p="http://schemas.microsoft.com/office/2006/metadata/properties" xmlns:xsi="http://www.w3.org/2001/XMLSchema-instance" xmlns:pc="http://schemas.microsoft.com/office/infopath/2007/PartnerControls">
-  <documentManagement>
-    <_ip_UnifiedCompliancePolicyUIAction xmlns="http://schemas.microsoft.com/sharepoint/v3" xsi:nil="true"/>
-    <Image xmlns="71af3243-3dd4-4a8d-8c0d-dd76da1f02a5">
-      <Url xsi:nil="true"/>
-      <Description xsi:nil="true"/>
-    </Image>
-    <Status xmlns="71af3243-3dd4-4a8d-8c0d-dd76da1f02a5">Not started</Status>
-    <Background xmlns="71af3243-3dd4-4a8d-8c0d-dd76da1f02a5">false</Background>
-    <_ip_UnifiedCompliancePolicyProperties xmlns="http://schemas.microsoft.com/sharepoint/v3" xsi:nil="true"/>
-    <ImageTagsTaxHTField xmlns="71af3243-3dd4-4a8d-8c0d-dd76da1f02a5">
-      <Terms xmlns="http://schemas.microsoft.com/office/infopath/2007/PartnerControls"/>
-    </ImageTagsTaxHTField>
-    <TaxCatchAll xmlns="230e9df3-be65-4c73-a93b-d1236ebd677e" xsi:nil="true"/>
-    <MediaServiceKeyPoints xmlns="71af3243-3dd4-4a8d-8c0d-dd76da1f02a5" xsi:nil="true"/>
-  </documentManagement>
-</p:properties>
+<?mso-contentType ?>
+<FormTemplates xmlns="http://schemas.microsoft.com/sharepoint/v3/contenttype/forms">
+  <Display>DocumentLibraryForm</Display>
+  <Edit>DocumentLibraryForm</Edit>
+  <New>DocumentLibraryForm</New>
+</FormTemplates>
 </file>
 
 <file path=customXml/itemProps1.xml><?xml version="1.0" encoding="utf-8"?>
-<ds:datastoreItem xmlns:ds="http://schemas.openxmlformats.org/officeDocument/2006/customXml" ds:itemID="{19DAD249-BF80-48EF-9AFB-36A11BCDC2CE}">
+<ds:datastoreItem xmlns:ds="http://schemas.openxmlformats.org/officeDocument/2006/customXml" ds:itemID="{6F4F4D41-822D-40F2-A7AC-E4E6CB36CA7A}">
   <ds:schemaRefs>
-    <ds:schemaRef ds:uri="http://schemas.microsoft.com/sharepoint/v3/contenttype/forms"/>
+    <ds:schemaRef ds:uri="http://schemas.microsoft.com/office/2006/metadata/properties"/>
+    <ds:schemaRef ds:uri="http://schemas.microsoft.com/office/infopath/2007/PartnerControls"/>
+    <ds:schemaRef ds:uri="http://schemas.microsoft.com/sharepoint/v3"/>
+    <ds:schemaRef ds:uri="71af3243-3dd4-4a8d-8c0d-dd76da1f02a5"/>
+    <ds:schemaRef ds:uri="230e9df3-be65-4c73-a93b-d1236ebd677e"/>
   </ds:schemaRefs>
 </ds:datastoreItem>
 </file>
@@ -5011,13 +5676,9 @@
 </file>
 
 <file path=customXml/itemProps3.xml><?xml version="1.0" encoding="utf-8"?>
-<ds:datastoreItem xmlns:ds="http://schemas.openxmlformats.org/officeDocument/2006/customXml" ds:itemID="{6F4F4D41-822D-40F2-A7AC-E4E6CB36CA7A}">
+<ds:datastoreItem xmlns:ds="http://schemas.openxmlformats.org/officeDocument/2006/customXml" ds:itemID="{19DAD249-BF80-48EF-9AFB-36A11BCDC2CE}">
   <ds:schemaRefs>
-    <ds:schemaRef ds:uri="http://schemas.microsoft.com/office/2006/metadata/properties"/>
-    <ds:schemaRef ds:uri="http://schemas.microsoft.com/office/infopath/2007/PartnerControls"/>
-    <ds:schemaRef ds:uri="http://schemas.microsoft.com/sharepoint/v3"/>
-    <ds:schemaRef ds:uri="71af3243-3dd4-4a8d-8c0d-dd76da1f02a5"/>
-    <ds:schemaRef ds:uri="230e9df3-be65-4c73-a93b-d1236ebd677e"/>
+    <ds:schemaRef ds:uri="http://schemas.microsoft.com/sharepoint/v3/contenttype/forms"/>
   </ds:schemaRefs>
 </ds:datastoreItem>
 </file>
--- a/data/interest_rate.pptx
+++ b/data/interest_rate.pptx
@@ -10,7 +10,8 @@
     <p:sldId id="260" r:id="rId7"/>
     <p:sldId id="261" r:id="rId8"/>
     <p:sldId id="262" r:id="rId9"/>
-    <p:sldId id="258" r:id="rId10"/>
+    <p:sldId id="263" r:id="rId10"/>
+    <p:sldId id="258" r:id="rId11"/>
   </p:sldIdLst>
   <p:sldSz cx="12192000" cy="6858000"/>
   <p:notesSz cx="6858000" cy="9144000"/>
@@ -4675,9 +4676,9 @@
           <a:bodyPr/>
           <a:lstStyle/>
           <a:p>
-            <a:pPr marL="457200" indent="-457200">
-              <a:buFont typeface="+mj-lt"/>
-              <a:buAutoNum type="arabicParenR"/>
+            <a:pPr>
+              <a:buFont typeface="Wingdings" panose="05000000000000000000" pitchFamily="2" charset="2"/>
+              <a:buChar char="§"/>
             </a:pPr>
             <a:r>
               <a:rPr lang="en-US" dirty="0"/>
@@ -4685,19 +4686,19 @@
             </a:r>
           </a:p>
           <a:p>
-            <a:pPr marL="457200" indent="-457200">
-              <a:buFont typeface="+mj-lt"/>
-              <a:buAutoNum type="arabicParenR"/>
+            <a:pPr>
+              <a:buFont typeface="Wingdings" panose="05000000000000000000" pitchFamily="2" charset="2"/>
+              <a:buChar char="§"/>
             </a:pPr>
             <a:r>
               <a:rPr lang="en-US" dirty="0"/>
-              <a:t>Converted FICO score data from string to a numerical value for further analysis</a:t>
-            </a:r>
-          </a:p>
-          <a:p>
-            <a:pPr marL="457200" indent="-457200">
-              <a:buFont typeface="+mj-lt"/>
-              <a:buAutoNum type="arabicParenR"/>
+              <a:t>Converted FICO score data from an object to a numerical value for further analysis</a:t>
+            </a:r>
+          </a:p>
+          <a:p>
+            <a:pPr>
+              <a:buFont typeface="Wingdings" panose="05000000000000000000" pitchFamily="2" charset="2"/>
+              <a:buChar char="§"/>
             </a:pPr>
             <a:r>
               <a:rPr lang="en-US" dirty="0"/>
@@ -4705,9 +4706,9 @@
             </a:r>
           </a:p>
           <a:p>
-            <a:pPr marL="457200" indent="-457200">
-              <a:buFont typeface="+mj-lt"/>
-              <a:buAutoNum type="arabicParenR"/>
+            <a:pPr>
+              <a:buFont typeface="Wingdings" panose="05000000000000000000" pitchFamily="2" charset="2"/>
+              <a:buChar char="§"/>
             </a:pPr>
             <a:r>
               <a:rPr lang="en-US" dirty="0"/>
@@ -4715,9 +4716,9 @@
             </a:r>
           </a:p>
           <a:p>
-            <a:pPr marL="457200" indent="-457200">
-              <a:buFont typeface="+mj-lt"/>
-              <a:buAutoNum type="arabicParenR"/>
+            <a:pPr>
+              <a:buFont typeface="Wingdings" panose="05000000000000000000" pitchFamily="2" charset="2"/>
+              <a:buChar char="§"/>
             </a:pPr>
             <a:r>
               <a:rPr lang="en-US" dirty="0"/>
@@ -4740,42 +4741,601 @@
           </a:p>
         </p:txBody>
       </p:sp>
-      <p:pic>
-        <p:nvPicPr>
-          <p:cNvPr id="5" name="Picture 4" descr="Chart, scatter chart&#10;&#10;Description automatically generated">
+      <p:sp>
+        <p:nvSpPr>
+          <p:cNvPr id="7" name="Content Placeholder 2">
             <a:extLst>
               <a:ext uri="{FF2B5EF4-FFF2-40B4-BE49-F238E27FC236}">
-                <a16:creationId xmlns:a16="http://schemas.microsoft.com/office/drawing/2014/main" id="{2DF02223-0B78-58EA-D155-A24EFC0FA896}"/>
+                <a16:creationId xmlns:a16="http://schemas.microsoft.com/office/drawing/2014/main" id="{19403688-A6BA-17A5-E8F3-23D2FDEC6721}"/>
               </a:ext>
             </a:extLst>
           </p:cNvPr>
-          <p:cNvPicPr>
-            <a:picLocks noChangeAspect="1"/>
-          </p:cNvPicPr>
+          <p:cNvSpPr txBox="1">
+            <a:spLocks/>
+          </p:cNvSpPr>
           <p:nvPr/>
-        </p:nvPicPr>
-        <p:blipFill>
-          <a:blip r:embed="rId2">
-            <a:extLst>
-              <a:ext uri="{28A0092B-C50C-407E-A947-70E740481C1C}">
-                <a14:useLocalDpi xmlns:a14="http://schemas.microsoft.com/office/drawing/2010/main" val="0"/>
-              </a:ext>
-            </a:extLst>
-          </a:blip>
-          <a:stretch>
-            <a:fillRect/>
-          </a:stretch>
-        </p:blipFill>
+        </p:nvSpPr>
         <p:spPr>
           <a:xfrm>
-            <a:off x="0" y="1013526"/>
-            <a:ext cx="12192000" cy="4830947"/>
+            <a:off x="6480810" y="2108201"/>
+            <a:ext cx="4674870" cy="3760891"/>
           </a:xfrm>
           <a:prstGeom prst="rect">
             <a:avLst/>
           </a:prstGeom>
         </p:spPr>
-      </p:pic>
+        <p:txBody>
+          <a:bodyPr vert="horz" lIns="0" tIns="45720" rIns="0" bIns="45720" rtlCol="0">
+            <a:normAutofit/>
+          </a:bodyPr>
+          <a:lstStyle>
+            <a:lvl1pPr marL="91440" indent="-91440" algn="l" defTabSz="914400" rtl="0" eaLnBrk="1" latinLnBrk="0" hangingPunct="1">
+              <a:lnSpc>
+                <a:spcPct val="110000"/>
+              </a:lnSpc>
+              <a:spcBef>
+                <a:spcPts val="1200"/>
+              </a:spcBef>
+              <a:spcAft>
+                <a:spcPts val="200"/>
+              </a:spcAft>
+              <a:buClr>
+                <a:schemeClr val="accent1"/>
+              </a:buClr>
+              <a:buSzPct val="100000"/>
+              <a:buFont typeface="Calibri" panose="020F0502020204030204" pitchFamily="34" charset="0"/>
+              <a:buChar char=" "/>
+              <a:defRPr sz="1900" kern="1200">
+                <a:solidFill>
+                  <a:schemeClr val="tx1">
+                    <a:lumMod val="75000"/>
+                    <a:lumOff val="25000"/>
+                  </a:schemeClr>
+                </a:solidFill>
+                <a:latin typeface="+mn-lt"/>
+                <a:ea typeface="+mn-ea"/>
+                <a:cs typeface="+mn-cs"/>
+              </a:defRPr>
+            </a:lvl1pPr>
+            <a:lvl2pPr marL="384048" indent="-182880" algn="l" defTabSz="914400" rtl="0" eaLnBrk="1" latinLnBrk="0" hangingPunct="1">
+              <a:lnSpc>
+                <a:spcPct val="100000"/>
+              </a:lnSpc>
+              <a:spcBef>
+                <a:spcPts val="200"/>
+              </a:spcBef>
+              <a:spcAft>
+                <a:spcPts val="400"/>
+              </a:spcAft>
+              <a:buClrTx/>
+              <a:buFont typeface="Calibri" pitchFamily="34" charset="0"/>
+              <a:buChar char="◦"/>
+              <a:defRPr sz="1700" kern="1200">
+                <a:solidFill>
+                  <a:schemeClr val="tx1">
+                    <a:lumMod val="75000"/>
+                    <a:lumOff val="25000"/>
+                  </a:schemeClr>
+                </a:solidFill>
+                <a:latin typeface="+mn-lt"/>
+                <a:ea typeface="+mn-ea"/>
+                <a:cs typeface="+mn-cs"/>
+              </a:defRPr>
+            </a:lvl2pPr>
+            <a:lvl3pPr marL="566928" indent="-182880" algn="l" defTabSz="914400" rtl="0" eaLnBrk="1" latinLnBrk="0" hangingPunct="1">
+              <a:lnSpc>
+                <a:spcPct val="100000"/>
+              </a:lnSpc>
+              <a:spcBef>
+                <a:spcPts val="200"/>
+              </a:spcBef>
+              <a:spcAft>
+                <a:spcPts val="400"/>
+              </a:spcAft>
+              <a:buClrTx/>
+              <a:buFont typeface="Calibri" pitchFamily="34" charset="0"/>
+              <a:buChar char="◦"/>
+              <a:defRPr sz="1300" kern="1200">
+                <a:solidFill>
+                  <a:schemeClr val="tx1">
+                    <a:lumMod val="75000"/>
+                    <a:lumOff val="25000"/>
+                  </a:schemeClr>
+                </a:solidFill>
+                <a:latin typeface="+mn-lt"/>
+                <a:ea typeface="+mn-ea"/>
+                <a:cs typeface="+mn-cs"/>
+              </a:defRPr>
+            </a:lvl3pPr>
+            <a:lvl4pPr marL="749808" indent="-182880" algn="l" defTabSz="914400" rtl="0" eaLnBrk="1" latinLnBrk="0" hangingPunct="1">
+              <a:lnSpc>
+                <a:spcPct val="100000"/>
+              </a:lnSpc>
+              <a:spcBef>
+                <a:spcPts val="200"/>
+              </a:spcBef>
+              <a:spcAft>
+                <a:spcPts val="400"/>
+              </a:spcAft>
+              <a:buClrTx/>
+              <a:buFont typeface="Calibri" pitchFamily="34" charset="0"/>
+              <a:buChar char="◦"/>
+              <a:defRPr sz="1300" kern="1200">
+                <a:solidFill>
+                  <a:schemeClr val="tx1">
+                    <a:lumMod val="75000"/>
+                    <a:lumOff val="25000"/>
+                  </a:schemeClr>
+                </a:solidFill>
+                <a:latin typeface="+mn-lt"/>
+                <a:ea typeface="+mn-ea"/>
+                <a:cs typeface="+mn-cs"/>
+              </a:defRPr>
+            </a:lvl4pPr>
+            <a:lvl5pPr marL="932688" indent="-182880" algn="l" defTabSz="914400" rtl="0" eaLnBrk="1" latinLnBrk="0" hangingPunct="1">
+              <a:lnSpc>
+                <a:spcPct val="100000"/>
+              </a:lnSpc>
+              <a:spcBef>
+                <a:spcPts val="200"/>
+              </a:spcBef>
+              <a:spcAft>
+                <a:spcPts val="400"/>
+              </a:spcAft>
+              <a:buClrTx/>
+              <a:buFont typeface="Calibri" pitchFamily="34" charset="0"/>
+              <a:buChar char="◦"/>
+              <a:defRPr sz="1300" kern="1200">
+                <a:solidFill>
+                  <a:schemeClr val="tx1">
+                    <a:lumMod val="75000"/>
+                    <a:lumOff val="25000"/>
+                  </a:schemeClr>
+                </a:solidFill>
+                <a:latin typeface="+mn-lt"/>
+                <a:ea typeface="+mn-ea"/>
+                <a:cs typeface="+mn-cs"/>
+              </a:defRPr>
+            </a:lvl5pPr>
+            <a:lvl6pPr marL="1100000" indent="-228600" algn="l" defTabSz="914400" rtl="0" eaLnBrk="1" latinLnBrk="0" hangingPunct="1">
+              <a:lnSpc>
+                <a:spcPct val="90000"/>
+              </a:lnSpc>
+              <a:spcBef>
+                <a:spcPts val="200"/>
+              </a:spcBef>
+              <a:spcAft>
+                <a:spcPts val="400"/>
+              </a:spcAft>
+              <a:buClr>
+                <a:schemeClr val="accent1"/>
+              </a:buClr>
+              <a:buFont typeface="Calibri" pitchFamily="34" charset="0"/>
+              <a:buChar char="◦"/>
+              <a:defRPr sz="1400" kern="1200">
+                <a:solidFill>
+                  <a:schemeClr val="tx1">
+                    <a:lumMod val="75000"/>
+                    <a:lumOff val="25000"/>
+                  </a:schemeClr>
+                </a:solidFill>
+                <a:latin typeface="+mn-lt"/>
+                <a:ea typeface="+mn-ea"/>
+                <a:cs typeface="+mn-cs"/>
+              </a:defRPr>
+            </a:lvl6pPr>
+            <a:lvl7pPr marL="1300000" indent="-228600" algn="l" defTabSz="914400" rtl="0" eaLnBrk="1" latinLnBrk="0" hangingPunct="1">
+              <a:lnSpc>
+                <a:spcPct val="90000"/>
+              </a:lnSpc>
+              <a:spcBef>
+                <a:spcPts val="200"/>
+              </a:spcBef>
+              <a:spcAft>
+                <a:spcPts val="400"/>
+              </a:spcAft>
+              <a:buClr>
+                <a:schemeClr val="accent1"/>
+              </a:buClr>
+              <a:buFont typeface="Calibri" pitchFamily="34" charset="0"/>
+              <a:buChar char="◦"/>
+              <a:defRPr sz="1400" kern="1200">
+                <a:solidFill>
+                  <a:schemeClr val="tx1">
+                    <a:lumMod val="75000"/>
+                    <a:lumOff val="25000"/>
+                  </a:schemeClr>
+                </a:solidFill>
+                <a:latin typeface="+mn-lt"/>
+                <a:ea typeface="+mn-ea"/>
+                <a:cs typeface="+mn-cs"/>
+              </a:defRPr>
+            </a:lvl7pPr>
+            <a:lvl8pPr marL="1500000" indent="-228600" algn="l" defTabSz="914400" rtl="0" eaLnBrk="1" latinLnBrk="0" hangingPunct="1">
+              <a:lnSpc>
+                <a:spcPct val="90000"/>
+              </a:lnSpc>
+              <a:spcBef>
+                <a:spcPts val="200"/>
+              </a:spcBef>
+              <a:spcAft>
+                <a:spcPts val="400"/>
+              </a:spcAft>
+              <a:buClr>
+                <a:schemeClr val="accent1"/>
+              </a:buClr>
+              <a:buFont typeface="Calibri" pitchFamily="34" charset="0"/>
+              <a:buChar char="◦"/>
+              <a:defRPr sz="1400" kern="1200">
+                <a:solidFill>
+                  <a:schemeClr val="tx1">
+                    <a:lumMod val="75000"/>
+                    <a:lumOff val="25000"/>
+                  </a:schemeClr>
+                </a:solidFill>
+                <a:latin typeface="+mn-lt"/>
+                <a:ea typeface="+mn-ea"/>
+                <a:cs typeface="+mn-cs"/>
+              </a:defRPr>
+            </a:lvl8pPr>
+            <a:lvl9pPr marL="1700000" indent="-228600" algn="l" defTabSz="914400" rtl="0" eaLnBrk="1" latinLnBrk="0" hangingPunct="1">
+              <a:lnSpc>
+                <a:spcPct val="90000"/>
+              </a:lnSpc>
+              <a:spcBef>
+                <a:spcPts val="200"/>
+              </a:spcBef>
+              <a:spcAft>
+                <a:spcPts val="400"/>
+              </a:spcAft>
+              <a:buClr>
+                <a:schemeClr val="accent1"/>
+              </a:buClr>
+              <a:buFont typeface="Calibri" pitchFamily="34" charset="0"/>
+              <a:buChar char="◦"/>
+              <a:defRPr sz="1400" kern="1200">
+                <a:solidFill>
+                  <a:schemeClr val="tx1">
+                    <a:lumMod val="75000"/>
+                    <a:lumOff val="25000"/>
+                  </a:schemeClr>
+                </a:solidFill>
+                <a:latin typeface="+mn-lt"/>
+                <a:ea typeface="+mn-ea"/>
+                <a:cs typeface="+mn-cs"/>
+              </a:defRPr>
+            </a:lvl9pPr>
+          </a:lstStyle>
+          <a:p>
+            <a:pPr marL="457200" indent="-457200">
+              <a:buFont typeface="+mj-lt"/>
+              <a:buAutoNum type="arabicParenR"/>
+            </a:pPr>
+            <a:endParaRPr lang="en-US" dirty="0"/>
+          </a:p>
+          <a:p>
+            <a:pPr>
+              <a:buFont typeface="Wingdings" panose="05000000000000000000" pitchFamily="2" charset="2"/>
+              <a:buChar char="Ø"/>
+            </a:pPr>
+            <a:endParaRPr lang="en-US" dirty="0"/>
+          </a:p>
+        </p:txBody>
+      </p:sp>
+      <p:sp>
+        <p:nvSpPr>
+          <p:cNvPr id="8" name="Content Placeholder 2">
+            <a:extLst>
+              <a:ext uri="{FF2B5EF4-FFF2-40B4-BE49-F238E27FC236}">
+                <a16:creationId xmlns:a16="http://schemas.microsoft.com/office/drawing/2014/main" id="{C9945755-8EC3-D695-3CD7-702A69258FBC}"/>
+              </a:ext>
+            </a:extLst>
+          </p:cNvPr>
+          <p:cNvSpPr txBox="1">
+            <a:spLocks/>
+          </p:cNvSpPr>
+          <p:nvPr/>
+        </p:nvSpPr>
+        <p:spPr>
+          <a:xfrm>
+            <a:off x="6480810" y="2108201"/>
+            <a:ext cx="4674870" cy="3760891"/>
+          </a:xfrm>
+          <a:prstGeom prst="rect">
+            <a:avLst/>
+          </a:prstGeom>
+        </p:spPr>
+        <p:txBody>
+          <a:bodyPr vert="horz" lIns="0" tIns="45720" rIns="0" bIns="45720" rtlCol="0">
+            <a:normAutofit/>
+          </a:bodyPr>
+          <a:lstStyle>
+            <a:lvl1pPr marL="91440" indent="-91440" algn="l" defTabSz="914400" rtl="0" eaLnBrk="1" latinLnBrk="0" hangingPunct="1">
+              <a:lnSpc>
+                <a:spcPct val="110000"/>
+              </a:lnSpc>
+              <a:spcBef>
+                <a:spcPts val="1200"/>
+              </a:spcBef>
+              <a:spcAft>
+                <a:spcPts val="200"/>
+              </a:spcAft>
+              <a:buClr>
+                <a:schemeClr val="accent1"/>
+              </a:buClr>
+              <a:buSzPct val="100000"/>
+              <a:buFont typeface="Calibri" panose="020F0502020204030204" pitchFamily="34" charset="0"/>
+              <a:buChar char=" "/>
+              <a:defRPr sz="1900" kern="1200">
+                <a:solidFill>
+                  <a:schemeClr val="tx1">
+                    <a:lumMod val="75000"/>
+                    <a:lumOff val="25000"/>
+                  </a:schemeClr>
+                </a:solidFill>
+                <a:latin typeface="+mn-lt"/>
+                <a:ea typeface="+mn-ea"/>
+                <a:cs typeface="+mn-cs"/>
+              </a:defRPr>
+            </a:lvl1pPr>
+            <a:lvl2pPr marL="384048" indent="-182880" algn="l" defTabSz="914400" rtl="0" eaLnBrk="1" latinLnBrk="0" hangingPunct="1">
+              <a:lnSpc>
+                <a:spcPct val="100000"/>
+              </a:lnSpc>
+              <a:spcBef>
+                <a:spcPts val="200"/>
+              </a:spcBef>
+              <a:spcAft>
+                <a:spcPts val="400"/>
+              </a:spcAft>
+              <a:buClrTx/>
+              <a:buFont typeface="Calibri" pitchFamily="34" charset="0"/>
+              <a:buChar char="◦"/>
+              <a:defRPr sz="1700" kern="1200">
+                <a:solidFill>
+                  <a:schemeClr val="tx1">
+                    <a:lumMod val="75000"/>
+                    <a:lumOff val="25000"/>
+                  </a:schemeClr>
+                </a:solidFill>
+                <a:latin typeface="+mn-lt"/>
+                <a:ea typeface="+mn-ea"/>
+                <a:cs typeface="+mn-cs"/>
+              </a:defRPr>
+            </a:lvl2pPr>
+            <a:lvl3pPr marL="566928" indent="-182880" algn="l" defTabSz="914400" rtl="0" eaLnBrk="1" latinLnBrk="0" hangingPunct="1">
+              <a:lnSpc>
+                <a:spcPct val="100000"/>
+              </a:lnSpc>
+              <a:spcBef>
+                <a:spcPts val="200"/>
+              </a:spcBef>
+              <a:spcAft>
+                <a:spcPts val="400"/>
+              </a:spcAft>
+              <a:buClrTx/>
+              <a:buFont typeface="Calibri" pitchFamily="34" charset="0"/>
+              <a:buChar char="◦"/>
+              <a:defRPr sz="1300" kern="1200">
+                <a:solidFill>
+                  <a:schemeClr val="tx1">
+                    <a:lumMod val="75000"/>
+                    <a:lumOff val="25000"/>
+                  </a:schemeClr>
+                </a:solidFill>
+                <a:latin typeface="+mn-lt"/>
+                <a:ea typeface="+mn-ea"/>
+                <a:cs typeface="+mn-cs"/>
+              </a:defRPr>
+            </a:lvl3pPr>
+            <a:lvl4pPr marL="749808" indent="-182880" algn="l" defTabSz="914400" rtl="0" eaLnBrk="1" latinLnBrk="0" hangingPunct="1">
+              <a:lnSpc>
+                <a:spcPct val="100000"/>
+              </a:lnSpc>
+              <a:spcBef>
+                <a:spcPts val="200"/>
+              </a:spcBef>
+              <a:spcAft>
+                <a:spcPts val="400"/>
+              </a:spcAft>
+              <a:buClrTx/>
+              <a:buFont typeface="Calibri" pitchFamily="34" charset="0"/>
+              <a:buChar char="◦"/>
+              <a:defRPr sz="1300" kern="1200">
+                <a:solidFill>
+                  <a:schemeClr val="tx1">
+                    <a:lumMod val="75000"/>
+                    <a:lumOff val="25000"/>
+                  </a:schemeClr>
+                </a:solidFill>
+                <a:latin typeface="+mn-lt"/>
+                <a:ea typeface="+mn-ea"/>
+                <a:cs typeface="+mn-cs"/>
+              </a:defRPr>
+            </a:lvl4pPr>
+            <a:lvl5pPr marL="932688" indent="-182880" algn="l" defTabSz="914400" rtl="0" eaLnBrk="1" latinLnBrk="0" hangingPunct="1">
+              <a:lnSpc>
+                <a:spcPct val="100000"/>
+              </a:lnSpc>
+              <a:spcBef>
+                <a:spcPts val="200"/>
+              </a:spcBef>
+              <a:spcAft>
+                <a:spcPts val="400"/>
+              </a:spcAft>
+              <a:buClrTx/>
+              <a:buFont typeface="Calibri" pitchFamily="34" charset="0"/>
+              <a:buChar char="◦"/>
+              <a:defRPr sz="1300" kern="1200">
+                <a:solidFill>
+                  <a:schemeClr val="tx1">
+                    <a:lumMod val="75000"/>
+                    <a:lumOff val="25000"/>
+                  </a:schemeClr>
+                </a:solidFill>
+                <a:latin typeface="+mn-lt"/>
+                <a:ea typeface="+mn-ea"/>
+                <a:cs typeface="+mn-cs"/>
+              </a:defRPr>
+            </a:lvl5pPr>
+            <a:lvl6pPr marL="1100000" indent="-228600" algn="l" defTabSz="914400" rtl="0" eaLnBrk="1" latinLnBrk="0" hangingPunct="1">
+              <a:lnSpc>
+                <a:spcPct val="90000"/>
+              </a:lnSpc>
+              <a:spcBef>
+                <a:spcPts val="200"/>
+              </a:spcBef>
+              <a:spcAft>
+                <a:spcPts val="400"/>
+              </a:spcAft>
+              <a:buClr>
+                <a:schemeClr val="accent1"/>
+              </a:buClr>
+              <a:buFont typeface="Calibri" pitchFamily="34" charset="0"/>
+              <a:buChar char="◦"/>
+              <a:defRPr sz="1400" kern="1200">
+                <a:solidFill>
+                  <a:schemeClr val="tx1">
+                    <a:lumMod val="75000"/>
+                    <a:lumOff val="25000"/>
+                  </a:schemeClr>
+                </a:solidFill>
+                <a:latin typeface="+mn-lt"/>
+                <a:ea typeface="+mn-ea"/>
+                <a:cs typeface="+mn-cs"/>
+              </a:defRPr>
+            </a:lvl6pPr>
+            <a:lvl7pPr marL="1300000" indent="-228600" algn="l" defTabSz="914400" rtl="0" eaLnBrk="1" latinLnBrk="0" hangingPunct="1">
+              <a:lnSpc>
+                <a:spcPct val="90000"/>
+              </a:lnSpc>
+              <a:spcBef>
+                <a:spcPts val="200"/>
+              </a:spcBef>
+              <a:spcAft>
+                <a:spcPts val="400"/>
+              </a:spcAft>
+              <a:buClr>
+                <a:schemeClr val="accent1"/>
+              </a:buClr>
+              <a:buFont typeface="Calibri" pitchFamily="34" charset="0"/>
+              <a:buChar char="◦"/>
+              <a:defRPr sz="1400" kern="1200">
+                <a:solidFill>
+                  <a:schemeClr val="tx1">
+                    <a:lumMod val="75000"/>
+                    <a:lumOff val="25000"/>
+                  </a:schemeClr>
+                </a:solidFill>
+                <a:latin typeface="+mn-lt"/>
+                <a:ea typeface="+mn-ea"/>
+                <a:cs typeface="+mn-cs"/>
+              </a:defRPr>
+            </a:lvl7pPr>
+            <a:lvl8pPr marL="1500000" indent="-228600" algn="l" defTabSz="914400" rtl="0" eaLnBrk="1" latinLnBrk="0" hangingPunct="1">
+              <a:lnSpc>
+                <a:spcPct val="90000"/>
+              </a:lnSpc>
+              <a:spcBef>
+                <a:spcPts val="200"/>
+              </a:spcBef>
+              <a:spcAft>
+                <a:spcPts val="400"/>
+              </a:spcAft>
+              <a:buClr>
+                <a:schemeClr val="accent1"/>
+              </a:buClr>
+              <a:buFont typeface="Calibri" pitchFamily="34" charset="0"/>
+              <a:buChar char="◦"/>
+              <a:defRPr sz="1400" kern="1200">
+                <a:solidFill>
+                  <a:schemeClr val="tx1">
+                    <a:lumMod val="75000"/>
+                    <a:lumOff val="25000"/>
+                  </a:schemeClr>
+                </a:solidFill>
+                <a:latin typeface="+mn-lt"/>
+                <a:ea typeface="+mn-ea"/>
+                <a:cs typeface="+mn-cs"/>
+              </a:defRPr>
+            </a:lvl8pPr>
+            <a:lvl9pPr marL="1700000" indent="-228600" algn="l" defTabSz="914400" rtl="0" eaLnBrk="1" latinLnBrk="0" hangingPunct="1">
+              <a:lnSpc>
+                <a:spcPct val="90000"/>
+              </a:lnSpc>
+              <a:spcBef>
+                <a:spcPts val="200"/>
+              </a:spcBef>
+              <a:spcAft>
+                <a:spcPts val="400"/>
+              </a:spcAft>
+              <a:buClr>
+                <a:schemeClr val="accent1"/>
+              </a:buClr>
+              <a:buFont typeface="Calibri" pitchFamily="34" charset="0"/>
+              <a:buChar char="◦"/>
+              <a:defRPr sz="1400" kern="1200">
+                <a:solidFill>
+                  <a:schemeClr val="tx1">
+                    <a:lumMod val="75000"/>
+                    <a:lumOff val="25000"/>
+                  </a:schemeClr>
+                </a:solidFill>
+                <a:latin typeface="+mn-lt"/>
+                <a:ea typeface="+mn-ea"/>
+                <a:cs typeface="+mn-cs"/>
+              </a:defRPr>
+            </a:lvl9pPr>
+          </a:lstStyle>
+          <a:p>
+            <a:pPr>
+              <a:buFont typeface="Wingdings" panose="05000000000000000000" pitchFamily="2" charset="2"/>
+              <a:buChar char="§"/>
+            </a:pPr>
+            <a:r>
+              <a:rPr lang="en-US" dirty="0"/>
+              <a:t> Predicted the test set through the creation of prediction models</a:t>
+            </a:r>
+          </a:p>
+          <a:p>
+            <a:pPr>
+              <a:buFont typeface="Wingdings" panose="05000000000000000000" pitchFamily="2" charset="2"/>
+              <a:buChar char="§"/>
+            </a:pPr>
+            <a:r>
+              <a:rPr lang="en-US" dirty="0"/>
+              <a:t>Evaluated the model with mean squared errors (MSE), coefficients(r2)</a:t>
+            </a:r>
+          </a:p>
+          <a:p>
+            <a:pPr>
+              <a:buFont typeface="Wingdings" panose="05000000000000000000" pitchFamily="2" charset="2"/>
+              <a:buChar char="§"/>
+            </a:pPr>
+            <a:r>
+              <a:rPr lang="en-US" dirty="0"/>
+              <a:t>Performed a cross-validation and found the slope and intercept values</a:t>
+            </a:r>
+          </a:p>
+          <a:p>
+            <a:pPr>
+              <a:buFont typeface="Wingdings" panose="05000000000000000000" pitchFamily="2" charset="2"/>
+              <a:buChar char="§"/>
+            </a:pPr>
+            <a:r>
+              <a:rPr lang="en-US" dirty="0"/>
+              <a:t>Plotted and compared linear regression models </a:t>
+            </a:r>
+          </a:p>
+          <a:p>
+            <a:pPr>
+              <a:buFont typeface="Wingdings" panose="05000000000000000000" pitchFamily="2" charset="2"/>
+              <a:buChar char="Ø"/>
+            </a:pPr>
+            <a:endParaRPr lang="en-US" dirty="0"/>
+          </a:p>
+        </p:txBody>
+      </p:sp>
     </p:spTree>
     <p:extLst>
       <p:ext uri="{BB962C8B-B14F-4D97-AF65-F5344CB8AC3E}">
@@ -4790,6 +5350,417 @@
 </file>
 
 <file path=ppt/slides/slide6.xml><?xml version="1.0" encoding="utf-8"?>
+<p:sld xmlns:a="http://schemas.openxmlformats.org/drawingml/2006/main" xmlns:r="http://schemas.openxmlformats.org/officeDocument/2006/relationships" xmlns:p="http://schemas.openxmlformats.org/presentationml/2006/main">
+  <p:cSld>
+    <p:spTree>
+      <p:nvGrpSpPr>
+        <p:cNvPr id="1" name=""/>
+        <p:cNvGrpSpPr/>
+        <p:nvPr/>
+      </p:nvGrpSpPr>
+      <p:grpSpPr>
+        <a:xfrm>
+          <a:off x="0" y="0"/>
+          <a:ext cx="0" cy="0"/>
+          <a:chOff x="0" y="0"/>
+          <a:chExt cx="0" cy="0"/>
+        </a:xfrm>
+      </p:grpSpPr>
+      <p:sp>
+        <p:nvSpPr>
+          <p:cNvPr id="2" name="Title 1">
+            <a:extLst>
+              <a:ext uri="{FF2B5EF4-FFF2-40B4-BE49-F238E27FC236}">
+                <a16:creationId xmlns:a16="http://schemas.microsoft.com/office/drawing/2014/main" id="{ECEFC40D-61A4-5761-52DF-52A85CB99663}"/>
+              </a:ext>
+            </a:extLst>
+          </p:cNvPr>
+          <p:cNvSpPr>
+            <a:spLocks noGrp="1"/>
+          </p:cNvSpPr>
+          <p:nvPr>
+            <p:ph type="title"/>
+          </p:nvPr>
+        </p:nvSpPr>
+        <p:spPr/>
+        <p:txBody>
+          <a:bodyPr/>
+          <a:lstStyle/>
+          <a:p>
+            <a:pPr algn="ctr"/>
+            <a:r>
+              <a:rPr lang="en-US" dirty="0"/>
+              <a:t>Cross Validation Prediction</a:t>
+            </a:r>
+          </a:p>
+        </p:txBody>
+      </p:sp>
+      <p:sp>
+        <p:nvSpPr>
+          <p:cNvPr id="7" name="Content Placeholder 2">
+            <a:extLst>
+              <a:ext uri="{FF2B5EF4-FFF2-40B4-BE49-F238E27FC236}">
+                <a16:creationId xmlns:a16="http://schemas.microsoft.com/office/drawing/2014/main" id="{19403688-A6BA-17A5-E8F3-23D2FDEC6721}"/>
+              </a:ext>
+            </a:extLst>
+          </p:cNvPr>
+          <p:cNvSpPr txBox="1">
+            <a:spLocks/>
+          </p:cNvSpPr>
+          <p:nvPr/>
+        </p:nvSpPr>
+        <p:spPr>
+          <a:xfrm>
+            <a:off x="6480810" y="2108201"/>
+            <a:ext cx="4674870" cy="3760891"/>
+          </a:xfrm>
+          <a:prstGeom prst="rect">
+            <a:avLst/>
+          </a:prstGeom>
+        </p:spPr>
+        <p:txBody>
+          <a:bodyPr vert="horz" lIns="0" tIns="45720" rIns="0" bIns="45720" rtlCol="0">
+            <a:normAutofit/>
+          </a:bodyPr>
+          <a:lstStyle>
+            <a:lvl1pPr marL="91440" indent="-91440" algn="l" defTabSz="914400" rtl="0" eaLnBrk="1" latinLnBrk="0" hangingPunct="1">
+              <a:lnSpc>
+                <a:spcPct val="110000"/>
+              </a:lnSpc>
+              <a:spcBef>
+                <a:spcPts val="1200"/>
+              </a:spcBef>
+              <a:spcAft>
+                <a:spcPts val="200"/>
+              </a:spcAft>
+              <a:buClr>
+                <a:schemeClr val="accent1"/>
+              </a:buClr>
+              <a:buSzPct val="100000"/>
+              <a:buFont typeface="Calibri" panose="020F0502020204030204" pitchFamily="34" charset="0"/>
+              <a:buChar char=" "/>
+              <a:defRPr sz="1900" kern="1200">
+                <a:solidFill>
+                  <a:schemeClr val="tx1">
+                    <a:lumMod val="75000"/>
+                    <a:lumOff val="25000"/>
+                  </a:schemeClr>
+                </a:solidFill>
+                <a:latin typeface="+mn-lt"/>
+                <a:ea typeface="+mn-ea"/>
+                <a:cs typeface="+mn-cs"/>
+              </a:defRPr>
+            </a:lvl1pPr>
+            <a:lvl2pPr marL="384048" indent="-182880" algn="l" defTabSz="914400" rtl="0" eaLnBrk="1" latinLnBrk="0" hangingPunct="1">
+              <a:lnSpc>
+                <a:spcPct val="100000"/>
+              </a:lnSpc>
+              <a:spcBef>
+                <a:spcPts val="200"/>
+              </a:spcBef>
+              <a:spcAft>
+                <a:spcPts val="400"/>
+              </a:spcAft>
+              <a:buClrTx/>
+              <a:buFont typeface="Calibri" pitchFamily="34" charset="0"/>
+              <a:buChar char="◦"/>
+              <a:defRPr sz="1700" kern="1200">
+                <a:solidFill>
+                  <a:schemeClr val="tx1">
+                    <a:lumMod val="75000"/>
+                    <a:lumOff val="25000"/>
+                  </a:schemeClr>
+                </a:solidFill>
+                <a:latin typeface="+mn-lt"/>
+                <a:ea typeface="+mn-ea"/>
+                <a:cs typeface="+mn-cs"/>
+              </a:defRPr>
+            </a:lvl2pPr>
+            <a:lvl3pPr marL="566928" indent="-182880" algn="l" defTabSz="914400" rtl="0" eaLnBrk="1" latinLnBrk="0" hangingPunct="1">
+              <a:lnSpc>
+                <a:spcPct val="100000"/>
+              </a:lnSpc>
+              <a:spcBef>
+                <a:spcPts val="200"/>
+              </a:spcBef>
+              <a:spcAft>
+                <a:spcPts val="400"/>
+              </a:spcAft>
+              <a:buClrTx/>
+              <a:buFont typeface="Calibri" pitchFamily="34" charset="0"/>
+              <a:buChar char="◦"/>
+              <a:defRPr sz="1300" kern="1200">
+                <a:solidFill>
+                  <a:schemeClr val="tx1">
+                    <a:lumMod val="75000"/>
+                    <a:lumOff val="25000"/>
+                  </a:schemeClr>
+                </a:solidFill>
+                <a:latin typeface="+mn-lt"/>
+                <a:ea typeface="+mn-ea"/>
+                <a:cs typeface="+mn-cs"/>
+              </a:defRPr>
+            </a:lvl3pPr>
+            <a:lvl4pPr marL="749808" indent="-182880" algn="l" defTabSz="914400" rtl="0" eaLnBrk="1" latinLnBrk="0" hangingPunct="1">
+              <a:lnSpc>
+                <a:spcPct val="100000"/>
+              </a:lnSpc>
+              <a:spcBef>
+                <a:spcPts val="200"/>
+              </a:spcBef>
+              <a:spcAft>
+                <a:spcPts val="400"/>
+              </a:spcAft>
+              <a:buClrTx/>
+              <a:buFont typeface="Calibri" pitchFamily="34" charset="0"/>
+              <a:buChar char="◦"/>
+              <a:defRPr sz="1300" kern="1200">
+                <a:solidFill>
+                  <a:schemeClr val="tx1">
+                    <a:lumMod val="75000"/>
+                    <a:lumOff val="25000"/>
+                  </a:schemeClr>
+                </a:solidFill>
+                <a:latin typeface="+mn-lt"/>
+                <a:ea typeface="+mn-ea"/>
+                <a:cs typeface="+mn-cs"/>
+              </a:defRPr>
+            </a:lvl4pPr>
+            <a:lvl5pPr marL="932688" indent="-182880" algn="l" defTabSz="914400" rtl="0" eaLnBrk="1" latinLnBrk="0" hangingPunct="1">
+              <a:lnSpc>
+                <a:spcPct val="100000"/>
+              </a:lnSpc>
+              <a:spcBef>
+                <a:spcPts val="200"/>
+              </a:spcBef>
+              <a:spcAft>
+                <a:spcPts val="400"/>
+              </a:spcAft>
+              <a:buClrTx/>
+              <a:buFont typeface="Calibri" pitchFamily="34" charset="0"/>
+              <a:buChar char="◦"/>
+              <a:defRPr sz="1300" kern="1200">
+                <a:solidFill>
+                  <a:schemeClr val="tx1">
+                    <a:lumMod val="75000"/>
+                    <a:lumOff val="25000"/>
+                  </a:schemeClr>
+                </a:solidFill>
+                <a:latin typeface="+mn-lt"/>
+                <a:ea typeface="+mn-ea"/>
+                <a:cs typeface="+mn-cs"/>
+              </a:defRPr>
+            </a:lvl5pPr>
+            <a:lvl6pPr marL="1100000" indent="-228600" algn="l" defTabSz="914400" rtl="0" eaLnBrk="1" latinLnBrk="0" hangingPunct="1">
+              <a:lnSpc>
+                <a:spcPct val="90000"/>
+              </a:lnSpc>
+              <a:spcBef>
+                <a:spcPts val="200"/>
+              </a:spcBef>
+              <a:spcAft>
+                <a:spcPts val="400"/>
+              </a:spcAft>
+              <a:buClr>
+                <a:schemeClr val="accent1"/>
+              </a:buClr>
+              <a:buFont typeface="Calibri" pitchFamily="34" charset="0"/>
+              <a:buChar char="◦"/>
+              <a:defRPr sz="1400" kern="1200">
+                <a:solidFill>
+                  <a:schemeClr val="tx1">
+                    <a:lumMod val="75000"/>
+                    <a:lumOff val="25000"/>
+                  </a:schemeClr>
+                </a:solidFill>
+                <a:latin typeface="+mn-lt"/>
+                <a:ea typeface="+mn-ea"/>
+                <a:cs typeface="+mn-cs"/>
+              </a:defRPr>
+            </a:lvl6pPr>
+            <a:lvl7pPr marL="1300000" indent="-228600" algn="l" defTabSz="914400" rtl="0" eaLnBrk="1" latinLnBrk="0" hangingPunct="1">
+              <a:lnSpc>
+                <a:spcPct val="90000"/>
+              </a:lnSpc>
+              <a:spcBef>
+                <a:spcPts val="200"/>
+              </a:spcBef>
+              <a:spcAft>
+                <a:spcPts val="400"/>
+              </a:spcAft>
+              <a:buClr>
+                <a:schemeClr val="accent1"/>
+              </a:buClr>
+              <a:buFont typeface="Calibri" pitchFamily="34" charset="0"/>
+              <a:buChar char="◦"/>
+              <a:defRPr sz="1400" kern="1200">
+                <a:solidFill>
+                  <a:schemeClr val="tx1">
+                    <a:lumMod val="75000"/>
+                    <a:lumOff val="25000"/>
+                  </a:schemeClr>
+                </a:solidFill>
+                <a:latin typeface="+mn-lt"/>
+                <a:ea typeface="+mn-ea"/>
+                <a:cs typeface="+mn-cs"/>
+              </a:defRPr>
+            </a:lvl7pPr>
+            <a:lvl8pPr marL="1500000" indent="-228600" algn="l" defTabSz="914400" rtl="0" eaLnBrk="1" latinLnBrk="0" hangingPunct="1">
+              <a:lnSpc>
+                <a:spcPct val="90000"/>
+              </a:lnSpc>
+              <a:spcBef>
+                <a:spcPts val="200"/>
+              </a:spcBef>
+              <a:spcAft>
+                <a:spcPts val="400"/>
+              </a:spcAft>
+              <a:buClr>
+                <a:schemeClr val="accent1"/>
+              </a:buClr>
+              <a:buFont typeface="Calibri" pitchFamily="34" charset="0"/>
+              <a:buChar char="◦"/>
+              <a:defRPr sz="1400" kern="1200">
+                <a:solidFill>
+                  <a:schemeClr val="tx1">
+                    <a:lumMod val="75000"/>
+                    <a:lumOff val="25000"/>
+                  </a:schemeClr>
+                </a:solidFill>
+                <a:latin typeface="+mn-lt"/>
+                <a:ea typeface="+mn-ea"/>
+                <a:cs typeface="+mn-cs"/>
+              </a:defRPr>
+            </a:lvl8pPr>
+            <a:lvl9pPr marL="1700000" indent="-228600" algn="l" defTabSz="914400" rtl="0" eaLnBrk="1" latinLnBrk="0" hangingPunct="1">
+              <a:lnSpc>
+                <a:spcPct val="90000"/>
+              </a:lnSpc>
+              <a:spcBef>
+                <a:spcPts val="200"/>
+              </a:spcBef>
+              <a:spcAft>
+                <a:spcPts val="400"/>
+              </a:spcAft>
+              <a:buClr>
+                <a:schemeClr val="accent1"/>
+              </a:buClr>
+              <a:buFont typeface="Calibri" pitchFamily="34" charset="0"/>
+              <a:buChar char="◦"/>
+              <a:defRPr sz="1400" kern="1200">
+                <a:solidFill>
+                  <a:schemeClr val="tx1">
+                    <a:lumMod val="75000"/>
+                    <a:lumOff val="25000"/>
+                  </a:schemeClr>
+                </a:solidFill>
+                <a:latin typeface="+mn-lt"/>
+                <a:ea typeface="+mn-ea"/>
+                <a:cs typeface="+mn-cs"/>
+              </a:defRPr>
+            </a:lvl9pPr>
+          </a:lstStyle>
+          <a:p>
+            <a:pPr marL="457200" indent="-457200">
+              <a:buFont typeface="+mj-lt"/>
+              <a:buAutoNum type="arabicParenR"/>
+            </a:pPr>
+            <a:endParaRPr lang="en-US" dirty="0"/>
+          </a:p>
+          <a:p>
+            <a:pPr>
+              <a:buFont typeface="Wingdings" panose="05000000000000000000" pitchFamily="2" charset="2"/>
+              <a:buChar char="Ø"/>
+            </a:pPr>
+            <a:endParaRPr lang="en-US" dirty="0"/>
+          </a:p>
+        </p:txBody>
+      </p:sp>
+      <p:pic>
+        <p:nvPicPr>
+          <p:cNvPr id="10" name="Picture 9">
+            <a:extLst>
+              <a:ext uri="{FF2B5EF4-FFF2-40B4-BE49-F238E27FC236}">
+                <a16:creationId xmlns:a16="http://schemas.microsoft.com/office/drawing/2014/main" id="{C6B78FC5-1988-77F4-6079-77153C2EA119}"/>
+              </a:ext>
+            </a:extLst>
+          </p:cNvPr>
+          <p:cNvPicPr>
+            <a:picLocks noChangeAspect="1"/>
+          </p:cNvPicPr>
+          <p:nvPr/>
+        </p:nvPicPr>
+        <p:blipFill>
+          <a:blip r:embed="rId2"/>
+          <a:stretch>
+            <a:fillRect/>
+          </a:stretch>
+        </p:blipFill>
+        <p:spPr>
+          <a:xfrm>
+            <a:off x="1966267" y="2108201"/>
+            <a:ext cx="8259465" cy="3272723"/>
+          </a:xfrm>
+          <a:prstGeom prst="rect">
+            <a:avLst/>
+          </a:prstGeom>
+        </p:spPr>
+      </p:pic>
+      <p:sp>
+        <p:nvSpPr>
+          <p:cNvPr id="11" name="TextBox 10">
+            <a:extLst>
+              <a:ext uri="{FF2B5EF4-FFF2-40B4-BE49-F238E27FC236}">
+                <a16:creationId xmlns:a16="http://schemas.microsoft.com/office/drawing/2014/main" id="{6B4A54FA-89EF-2E1C-2D7B-E4804C4CE4B8}"/>
+              </a:ext>
+            </a:extLst>
+          </p:cNvPr>
+          <p:cNvSpPr txBox="1"/>
+          <p:nvPr/>
+        </p:nvSpPr>
+        <p:spPr>
+          <a:xfrm>
+            <a:off x="2251710" y="5380924"/>
+            <a:ext cx="8191500" cy="646331"/>
+          </a:xfrm>
+          <a:prstGeom prst="rect">
+            <a:avLst/>
+          </a:prstGeom>
+          <a:noFill/>
+        </p:spPr>
+        <p:txBody>
+          <a:bodyPr wrap="square" rtlCol="0">
+            <a:spAutoFit/>
+          </a:bodyPr>
+          <a:lstStyle/>
+          <a:p>
+            <a:r>
+              <a:rPr lang="en-US" dirty="0"/>
+              <a:t>Left Graph: Shows the linear trend of the interest rate and FICO range</a:t>
+            </a:r>
+          </a:p>
+          <a:p>
+            <a:r>
+              <a:rPr lang="en-US" dirty="0"/>
+              <a:t>Right Graph: Shows the predicted values against our actual values using that trend</a:t>
+            </a:r>
+          </a:p>
+        </p:txBody>
+      </p:sp>
+    </p:spTree>
+    <p:extLst>
+      <p:ext uri="{BB962C8B-B14F-4D97-AF65-F5344CB8AC3E}">
+        <p14:creationId xmlns:p14="http://schemas.microsoft.com/office/powerpoint/2010/main" val="2352447918"/>
+      </p:ext>
+    </p:extLst>
+  </p:cSld>
+  <p:clrMapOvr>
+    <a:masterClrMapping/>
+  </p:clrMapOvr>
+</p:sld>
+</file>
+
+<file path=ppt/slides/slide7.xml><?xml version="1.0" encoding="utf-8"?>
 <p:sld xmlns:a="http://schemas.openxmlformats.org/drawingml/2006/main" xmlns:r="http://schemas.openxmlformats.org/officeDocument/2006/relationships" xmlns:p="http://schemas.openxmlformats.org/presentationml/2006/main">
   <p:cSld>
     <p:bg>
@@ -5328,6 +6299,15 @@
 </file>
 
 <file path=customXml/item2.xml><?xml version="1.0" encoding="utf-8"?>
+<?mso-contentType ?>
+<FormTemplates xmlns="http://schemas.microsoft.com/sharepoint/v3/contenttype/forms">
+  <Display>DocumentLibraryForm</Display>
+  <Edit>DocumentLibraryForm</Edit>
+  <New>DocumentLibraryForm</New>
+</FormTemplates>
+</file>
+
+<file path=customXml/item3.xml><?xml version="1.0" encoding="utf-8"?>
 <ct:contentTypeSchema xmlns:ct="http://schemas.microsoft.com/office/2006/metadata/contentType" xmlns:ma="http://schemas.microsoft.com/office/2006/metadata/properties/metaAttributes" ct:_="" ma:_="" ma:contentTypeName="Document" ma:contentTypeID="0x01010079F111ED35F8CC479449609E8A0923A6" ma:contentTypeVersion="27" ma:contentTypeDescription="Create a new document." ma:contentTypeScope="" ma:versionID="c6f9a84f66a9c8b9a21755b9ffafb945">
   <xsd:schema xmlns:xsd="http://www.w3.org/2001/XMLSchema" xmlns:xs="http://www.w3.org/2001/XMLSchema" xmlns:p="http://schemas.microsoft.com/office/2006/metadata/properties" xmlns:ns1="http://schemas.microsoft.com/sharepoint/v3" xmlns:ns2="71af3243-3dd4-4a8d-8c0d-dd76da1f02a5" xmlns:ns3="16c05727-aa75-4e4a-9b5f-8a80a1165891" xmlns:ns4="230e9df3-be65-4c73-a93b-d1236ebd677e" targetNamespace="http://schemas.microsoft.com/office/2006/metadata/properties" ma:root="true" ma:fieldsID="27df39e3e7036dff54f89ddd5805ce72" ns1:_="" ns2:_="" ns3:_="" ns4:_="">
     <xsd:import namespace="http://schemas.microsoft.com/sharepoint/v3"/>
@@ -5633,15 +6613,6 @@
 </ct:contentTypeSchema>
 </file>
 
-<file path=customXml/item3.xml><?xml version="1.0" encoding="utf-8"?>
-<?mso-contentType ?>
-<FormTemplates xmlns="http://schemas.microsoft.com/sharepoint/v3/contenttype/forms">
-  <Display>DocumentLibraryForm</Display>
-  <Edit>DocumentLibraryForm</Edit>
-  <New>DocumentLibraryForm</New>
-</FormTemplates>
-</file>
-
 <file path=customXml/itemProps1.xml><?xml version="1.0" encoding="utf-8"?>
 <ds:datastoreItem xmlns:ds="http://schemas.openxmlformats.org/officeDocument/2006/customXml" ds:itemID="{6F4F4D41-822D-40F2-A7AC-E4E6CB36CA7A}">
   <ds:schemaRefs>
@@ -5655,6 +6626,14 @@
 </file>
 
 <file path=customXml/itemProps2.xml><?xml version="1.0" encoding="utf-8"?>
+<ds:datastoreItem xmlns:ds="http://schemas.openxmlformats.org/officeDocument/2006/customXml" ds:itemID="{19DAD249-BF80-48EF-9AFB-36A11BCDC2CE}">
+  <ds:schemaRefs>
+    <ds:schemaRef ds:uri="http://schemas.microsoft.com/sharepoint/v3/contenttype/forms"/>
+  </ds:schemaRefs>
+</ds:datastoreItem>
+</file>
+
+<file path=customXml/itemProps3.xml><?xml version="1.0" encoding="utf-8"?>
 <ds:datastoreItem xmlns:ds="http://schemas.openxmlformats.org/officeDocument/2006/customXml" ds:itemID="{C5A59D56-2157-4202-9D02-F44E447A241D}">
   <ds:schemaRefs>
     <ds:schemaRef ds:uri="http://schemas.microsoft.com/office/2006/metadata/contentType"/>
@@ -5673,12 +6652,4 @@
     <ds:schemaRef ds:uri="http://schemas.microsoft.com/internal/obd"/>
   </ds:schemaRefs>
 </ds:datastoreItem>
-</file>
-
-<file path=customXml/itemProps3.xml><?xml version="1.0" encoding="utf-8"?>
-<ds:datastoreItem xmlns:ds="http://schemas.openxmlformats.org/officeDocument/2006/customXml" ds:itemID="{19DAD249-BF80-48EF-9AFB-36A11BCDC2CE}">
-  <ds:schemaRefs>
-    <ds:schemaRef ds:uri="http://schemas.microsoft.com/sharepoint/v3/contenttype/forms"/>
-  </ds:schemaRefs>
-</ds:datastoreItem>
 </file>
--- a/data/interest_rate.pptx
+++ b/data/interest_rate.pptx
@@ -11,7 +11,8 @@
     <p:sldId id="261" r:id="rId8"/>
     <p:sldId id="262" r:id="rId9"/>
     <p:sldId id="263" r:id="rId10"/>
-    <p:sldId id="258" r:id="rId11"/>
+    <p:sldId id="264" r:id="rId11"/>
+    <p:sldId id="265" r:id="rId12"/>
   </p:sldIdLst>
   <p:sldSz cx="12192000" cy="6858000"/>
   <p:notesSz cx="6858000" cy="9144000"/>
@@ -116,6 +117,81 @@
     </p:ext>
   </p:extLst>
 </p:presentation>
+</file>
+
+<file path=ppt/revisionInfo.xml><?xml version="1.0" encoding="utf-8"?>
+<p1510:revInfo xmlns:a="http://schemas.openxmlformats.org/drawingml/2006/main" xmlns:r="http://schemas.openxmlformats.org/officeDocument/2006/relationships" xmlns:p1510="http://schemas.microsoft.com/office/powerpoint/2015/10/main">
+  <p1510:revLst>
+    <p1510:client id="{72C4B21B-9AFD-41C2-8BBF-1377EAAA3F9D}" v="3" dt="2023-07-28T19:10:58.496"/>
+  </p1510:revLst>
+</p1510:revInfo>
+</file>
+
+<file path=ppt/changesInfos/changesInfo1.xml><?xml version="1.0" encoding="utf-8"?>
+<pc:chgInfo xmlns:a="http://schemas.openxmlformats.org/drawingml/2006/main" xmlns:r="http://schemas.openxmlformats.org/officeDocument/2006/relationships" xmlns:ac="http://schemas.microsoft.com/office/drawing/2013/main/command" xmlns:pc="http://schemas.microsoft.com/office/powerpoint/2013/main/command">
+  <pc:docChgLst>
+    <pc:chgData name="Robert Ebend" userId="d93aa9e1120e7ff5" providerId="LiveId" clId="{72C4B21B-9AFD-41C2-8BBF-1377EAAA3F9D}"/>
+    <pc:docChg chg="custSel addSld delSld modSld">
+      <pc:chgData name="Robert Ebend" userId="d93aa9e1120e7ff5" providerId="LiveId" clId="{72C4B21B-9AFD-41C2-8BBF-1377EAAA3F9D}" dt="2023-07-28T19:15:47.342" v="533" actId="2696"/>
+      <pc:docMkLst>
+        <pc:docMk/>
+      </pc:docMkLst>
+      <pc:sldChg chg="del">
+        <pc:chgData name="Robert Ebend" userId="d93aa9e1120e7ff5" providerId="LiveId" clId="{72C4B21B-9AFD-41C2-8BBF-1377EAAA3F9D}" dt="2023-07-28T19:15:47.342" v="533" actId="2696"/>
+        <pc:sldMkLst>
+          <pc:docMk/>
+          <pc:sldMk cId="191714609" sldId="258"/>
+        </pc:sldMkLst>
+      </pc:sldChg>
+      <pc:sldChg chg="modSp new mod">
+        <pc:chgData name="Robert Ebend" userId="d93aa9e1120e7ff5" providerId="LiveId" clId="{72C4B21B-9AFD-41C2-8BBF-1377EAAA3F9D}" dt="2023-07-28T19:15:33.785" v="532" actId="12"/>
+        <pc:sldMkLst>
+          <pc:docMk/>
+          <pc:sldMk cId="3928894804" sldId="264"/>
+        </pc:sldMkLst>
+        <pc:spChg chg="mod">
+          <ac:chgData name="Robert Ebend" userId="d93aa9e1120e7ff5" providerId="LiveId" clId="{72C4B21B-9AFD-41C2-8BBF-1377EAAA3F9D}" dt="2023-07-28T19:11:25.911" v="120" actId="20577"/>
+          <ac:spMkLst>
+            <pc:docMk/>
+            <pc:sldMk cId="3928894804" sldId="264"/>
+            <ac:spMk id="2" creationId="{A73BD94D-9DD3-CB95-BD1A-770D38F34BCD}"/>
+          </ac:spMkLst>
+        </pc:spChg>
+        <pc:spChg chg="mod">
+          <ac:chgData name="Robert Ebend" userId="d93aa9e1120e7ff5" providerId="LiveId" clId="{72C4B21B-9AFD-41C2-8BBF-1377EAAA3F9D}" dt="2023-07-28T19:15:33.785" v="532" actId="12"/>
+          <ac:spMkLst>
+            <pc:docMk/>
+            <pc:sldMk cId="3928894804" sldId="264"/>
+            <ac:spMk id="3" creationId="{75646CCC-3E52-2C6F-3BE3-E424C490CB2C}"/>
+          </ac:spMkLst>
+        </pc:spChg>
+      </pc:sldChg>
+      <pc:sldChg chg="modSp new mod">
+        <pc:chgData name="Robert Ebend" userId="d93aa9e1120e7ff5" providerId="LiveId" clId="{72C4B21B-9AFD-41C2-8BBF-1377EAAA3F9D}" dt="2023-07-28T19:10:58.492" v="107" actId="20577"/>
+        <pc:sldMkLst>
+          <pc:docMk/>
+          <pc:sldMk cId="355128953" sldId="265"/>
+        </pc:sldMkLst>
+        <pc:spChg chg="mod">
+          <ac:chgData name="Robert Ebend" userId="d93aa9e1120e7ff5" providerId="LiveId" clId="{72C4B21B-9AFD-41C2-8BBF-1377EAAA3F9D}" dt="2023-07-28T19:08:33.544" v="21" actId="20577"/>
+          <ac:spMkLst>
+            <pc:docMk/>
+            <pc:sldMk cId="355128953" sldId="265"/>
+            <ac:spMk id="2" creationId="{EFE86EC1-00E1-8BD7-BDC8-41AD2EA1FD94}"/>
+          </ac:spMkLst>
+        </pc:spChg>
+        <pc:spChg chg="mod">
+          <ac:chgData name="Robert Ebend" userId="d93aa9e1120e7ff5" providerId="LiveId" clId="{72C4B21B-9AFD-41C2-8BBF-1377EAAA3F9D}" dt="2023-07-28T19:10:58.492" v="107" actId="20577"/>
+          <ac:spMkLst>
+            <pc:docMk/>
+            <pc:sldMk cId="355128953" sldId="265"/>
+            <ac:spMk id="3" creationId="{E4BE5E8E-3BF2-39E9-C956-05F90DA583E9}"/>
+          </ac:spMkLst>
+        </pc:spChg>
+      </pc:sldChg>
+    </pc:docChg>
+  </pc:docChgLst>
+</pc:chgInfo>
 </file>
 
 <file path=ppt/slideLayouts/slideLayout1.xml><?xml version="1.0" encoding="utf-8"?>
@@ -5763,14 +5839,6 @@
 <file path=ppt/slides/slide7.xml><?xml version="1.0" encoding="utf-8"?>
 <p:sld xmlns:a="http://schemas.openxmlformats.org/drawingml/2006/main" xmlns:r="http://schemas.openxmlformats.org/officeDocument/2006/relationships" xmlns:p="http://schemas.openxmlformats.org/presentationml/2006/main">
   <p:cSld>
-    <p:bg>
-      <p:bgPr>
-        <a:solidFill>
-          <a:schemeClr val="bg1"/>
-        </a:solidFill>
-        <a:effectLst/>
-      </p:bgPr>
-    </p:bg>
     <p:spTree>
       <p:nvGrpSpPr>
         <p:cNvPr id="1" name=""/>
@@ -5787,73 +5855,38 @@
       </p:grpSpPr>
       <p:sp>
         <p:nvSpPr>
-          <p:cNvPr id="47" name="Rectangle 46">
+          <p:cNvPr id="2" name="Title 1">
             <a:extLst>
               <a:ext uri="{FF2B5EF4-FFF2-40B4-BE49-F238E27FC236}">
-                <a16:creationId xmlns:a16="http://schemas.microsoft.com/office/drawing/2014/main" id="{FBDCECDC-EEE3-4128-AA5E-82A8C08796E8}"/>
-              </a:ext>
-              <a:ext uri="{C183D7F6-B498-43B3-948B-1728B52AA6E4}">
-                <adec:decorative xmlns:adec="http://schemas.microsoft.com/office/drawing/2017/decorative" val="1"/>
+                <a16:creationId xmlns:a16="http://schemas.microsoft.com/office/drawing/2014/main" id="{A73BD94D-9DD3-CB95-BD1A-770D38F34BCD}"/>
               </a:ext>
             </a:extLst>
           </p:cNvPr>
           <p:cNvSpPr>
-            <a:spLocks noGrp="1" noRot="1" noChangeAspect="1" noMove="1" noResize="1" noEditPoints="1" noAdjustHandles="1" noChangeArrowheads="1" noChangeShapeType="1" noTextEdit="1"/>
-          </p:cNvSpPr>
-          <p:nvPr>
-            <p:extLst>
-              <p:ext uri="{386F3935-93C4-4BCD-93E2-E3B085C9AB24}">
-                <p16:designElem xmlns:p16="http://schemas.microsoft.com/office/powerpoint/2015/main" val="1"/>
-              </p:ext>
-            </p:extLst>
-          </p:nvPr>
-        </p:nvSpPr>
-        <p:spPr>
-          <a:xfrm>
-            <a:off x="1507" y="0"/>
-            <a:ext cx="12192000" cy="6858000"/>
-          </a:xfrm>
-          <a:prstGeom prst="rect">
-            <a:avLst/>
-          </a:prstGeom>
-          <a:solidFill>
-            <a:schemeClr val="accent1"/>
-          </a:solidFill>
-          <a:ln>
-            <a:noFill/>
-          </a:ln>
-        </p:spPr>
-        <p:style>
-          <a:lnRef idx="2">
-            <a:schemeClr val="accent1">
-              <a:shade val="50000"/>
-            </a:schemeClr>
-          </a:lnRef>
-          <a:fillRef idx="1">
-            <a:schemeClr val="accent1"/>
-          </a:fillRef>
-          <a:effectRef idx="0">
-            <a:schemeClr val="accent1"/>
-          </a:effectRef>
-          <a:fontRef idx="minor">
-            <a:schemeClr val="lt1"/>
-          </a:fontRef>
-        </p:style>
-        <p:txBody>
-          <a:bodyPr rtlCol="0" anchor="ctr"/>
+            <a:spLocks noGrp="1"/>
+          </p:cNvSpPr>
+          <p:nvPr>
+            <p:ph type="title"/>
+          </p:nvPr>
+        </p:nvSpPr>
+        <p:spPr/>
+        <p:txBody>
+          <a:bodyPr/>
           <a:lstStyle/>
           <a:p>
-            <a:pPr algn="ctr"/>
-            <a:endParaRPr lang="en-US"/>
-          </a:p>
-        </p:txBody>
-      </p:sp>
-      <p:sp>
-        <p:nvSpPr>
-          <p:cNvPr id="2" name="Title 1">
+            <a:r>
+              <a:rPr lang="en-US" dirty="0"/>
+              <a:t>Conclusion:</a:t>
+            </a:r>
+          </a:p>
+        </p:txBody>
+      </p:sp>
+      <p:sp>
+        <p:nvSpPr>
+          <p:cNvPr id="3" name="Content Placeholder 2">
             <a:extLst>
               <a:ext uri="{FF2B5EF4-FFF2-40B4-BE49-F238E27FC236}">
-                <a16:creationId xmlns:a16="http://schemas.microsoft.com/office/drawing/2014/main" id="{9AB2EA78-AEB3-469B-9025-3B17201A457B}"/>
+                <a16:creationId xmlns:a16="http://schemas.microsoft.com/office/drawing/2014/main" id="{75646CCC-3E52-2C6F-3BE3-E424C490CB2C}"/>
               </a:ext>
             </a:extLst>
           </p:cNvPr>
@@ -5861,123 +5894,31 @@
             <a:spLocks noGrp="1"/>
           </p:cNvSpPr>
           <p:nvPr>
-            <p:ph type="ctrTitle"/>
-          </p:nvPr>
-        </p:nvSpPr>
-        <p:spPr>
-          <a:xfrm>
-            <a:off x="1097280" y="758952"/>
-            <a:ext cx="10058400" cy="3892168"/>
-          </a:xfrm>
-        </p:spPr>
-        <p:txBody>
-          <a:bodyPr anchor="ctr">
-            <a:normAutofit/>
-          </a:bodyPr>
+            <p:ph idx="1"/>
+          </p:nvPr>
+        </p:nvSpPr>
+        <p:spPr/>
+        <p:txBody>
+          <a:bodyPr/>
           <a:lstStyle/>
           <a:p>
-            <a:pPr lvl="0"/>
-            <a:r>
-              <a:rPr lang="en-US" sz="4800" i="1" dirty="0">
-                <a:solidFill>
-                  <a:srgbClr val="FFFFFF"/>
-                </a:solidFill>
-              </a:rPr>
-              <a:t>Your best quote that reflects your approach… “It’s one small step for man, one giant leap for mankind.”</a:t>
-            </a:r>
-          </a:p>
-        </p:txBody>
-      </p:sp>
-      <p:sp>
-        <p:nvSpPr>
-          <p:cNvPr id="49" name="Rectangle 48">
-            <a:extLst>
-              <a:ext uri="{FF2B5EF4-FFF2-40B4-BE49-F238E27FC236}">
-                <a16:creationId xmlns:a16="http://schemas.microsoft.com/office/drawing/2014/main" id="{4260EDE0-989C-4E16-AF94-F652294D828E}"/>
-              </a:ext>
-              <a:ext uri="{C183D7F6-B498-43B3-948B-1728B52AA6E4}">
-                <adec:decorative xmlns:adec="http://schemas.microsoft.com/office/drawing/2017/decorative" val="1"/>
-              </a:ext>
-            </a:extLst>
-          </p:cNvPr>
-          <p:cNvSpPr>
-            <a:spLocks noGrp="1" noRot="1" noChangeAspect="1" noMove="1" noResize="1" noEditPoints="1" noAdjustHandles="1" noChangeArrowheads="1" noChangeShapeType="1" noTextEdit="1"/>
-          </p:cNvSpPr>
-          <p:nvPr>
-            <p:extLst>
-              <p:ext uri="{386F3935-93C4-4BCD-93E2-E3B085C9AB24}">
-                <p16:designElem xmlns:p16="http://schemas.microsoft.com/office/powerpoint/2015/main" val="1"/>
-              </p:ext>
-            </p:extLst>
-          </p:nvPr>
-        </p:nvSpPr>
-        <p:spPr bwMode="white">
-          <a:xfrm>
-            <a:off x="1507" y="4953000"/>
-            <a:ext cx="12188952" cy="1905000"/>
-          </a:xfrm>
-          <a:prstGeom prst="rect">
-            <a:avLst/>
-          </a:prstGeom>
-          <a:solidFill>
-            <a:srgbClr val="262626"/>
-          </a:solidFill>
-          <a:ln>
-            <a:noFill/>
-          </a:ln>
-        </p:spPr>
-        <p:style>
-          <a:lnRef idx="2">
-            <a:schemeClr val="accent1">
-              <a:shade val="50000"/>
-            </a:schemeClr>
-          </a:lnRef>
-          <a:fillRef idx="1">
-            <a:schemeClr val="accent1"/>
-          </a:fillRef>
-          <a:effectRef idx="0">
-            <a:schemeClr val="accent1"/>
-          </a:effectRef>
-          <a:fontRef idx="minor">
-            <a:schemeClr val="lt1"/>
-          </a:fontRef>
-        </p:style>
-      </p:sp>
-      <p:sp>
-        <p:nvSpPr>
-          <p:cNvPr id="3" name="Subtitle 2">
-            <a:extLst>
-              <a:ext uri="{FF2B5EF4-FFF2-40B4-BE49-F238E27FC236}">
-                <a16:creationId xmlns:a16="http://schemas.microsoft.com/office/drawing/2014/main" id="{255E1F2F-E259-4EA8-9FFD-3A10AF541859}"/>
-              </a:ext>
-            </a:extLst>
-          </p:cNvPr>
-          <p:cNvSpPr>
-            <a:spLocks noGrp="1"/>
-          </p:cNvSpPr>
-          <p:nvPr>
-            <p:ph type="subTitle" idx="1"/>
-          </p:nvPr>
-        </p:nvSpPr>
-        <p:spPr>
-          <a:xfrm>
-            <a:off x="1100051" y="5225240"/>
-            <a:ext cx="10058400" cy="1143000"/>
-          </a:xfrm>
-        </p:spPr>
-        <p:txBody>
-          <a:bodyPr>
-            <a:normAutofit/>
-          </a:bodyPr>
-          <a:lstStyle/>
-          <a:p>
-            <a:r>
-              <a:rPr lang="en-US">
-                <a:solidFill>
-                  <a:srgbClr val="FFFFFF"/>
-                </a:solidFill>
-              </a:rPr>
-              <a:t>- Neil Armstrong</a:t>
+            <a:pPr>
+              <a:buFont typeface="Wingdings" panose="05000000000000000000" pitchFamily="2" charset="2"/>
+              <a:buChar char="§"/>
+            </a:pPr>
+            <a:r>
+              <a:rPr lang="en-US" dirty="0"/>
+              <a:t>From our analysis we can reject our Null hypothesis as there is a clear trend with FICO score and interest rates. We can also recognize other underlying factors such as: loan length, and amount funded by investor.</a:t>
+            </a:r>
+          </a:p>
+          <a:p>
+            <a:pPr>
+              <a:buFont typeface="Wingdings" panose="05000000000000000000" pitchFamily="2" charset="2"/>
+              <a:buChar char="§"/>
+            </a:pPr>
+            <a:r>
+              <a:rPr lang="en-US" dirty="0"/>
+              <a:t>With this information we can conclude if you want a lower interest rate you should have a high FICO score and a 36 month loan.</a:t>
             </a:r>
           </a:p>
         </p:txBody>
@@ -5985,7 +5926,141 @@
     </p:spTree>
     <p:extLst>
       <p:ext uri="{BB962C8B-B14F-4D97-AF65-F5344CB8AC3E}">
-        <p14:creationId xmlns:p14="http://schemas.microsoft.com/office/powerpoint/2010/main" val="191714609"/>
+        <p14:creationId xmlns:p14="http://schemas.microsoft.com/office/powerpoint/2010/main" val="3928894804"/>
+      </p:ext>
+    </p:extLst>
+  </p:cSld>
+  <p:clrMapOvr>
+    <a:masterClrMapping/>
+  </p:clrMapOvr>
+</p:sld>
+</file>
+
+<file path=ppt/slides/slide8.xml><?xml version="1.0" encoding="utf-8"?>
+<p:sld xmlns:a="http://schemas.openxmlformats.org/drawingml/2006/main" xmlns:r="http://schemas.openxmlformats.org/officeDocument/2006/relationships" xmlns:p="http://schemas.openxmlformats.org/presentationml/2006/main">
+  <p:cSld>
+    <p:spTree>
+      <p:nvGrpSpPr>
+        <p:cNvPr id="1" name=""/>
+        <p:cNvGrpSpPr/>
+        <p:nvPr/>
+      </p:nvGrpSpPr>
+      <p:grpSpPr>
+        <a:xfrm>
+          <a:off x="0" y="0"/>
+          <a:ext cx="0" cy="0"/>
+          <a:chOff x="0" y="0"/>
+          <a:chExt cx="0" cy="0"/>
+        </a:xfrm>
+      </p:grpSpPr>
+      <p:sp>
+        <p:nvSpPr>
+          <p:cNvPr id="2" name="Title 1">
+            <a:extLst>
+              <a:ext uri="{FF2B5EF4-FFF2-40B4-BE49-F238E27FC236}">
+                <a16:creationId xmlns:a16="http://schemas.microsoft.com/office/drawing/2014/main" id="{EFE86EC1-00E1-8BD7-BDC8-41AD2EA1FD94}"/>
+              </a:ext>
+            </a:extLst>
+          </p:cNvPr>
+          <p:cNvSpPr>
+            <a:spLocks noGrp="1"/>
+          </p:cNvSpPr>
+          <p:nvPr>
+            <p:ph type="title"/>
+          </p:nvPr>
+        </p:nvSpPr>
+        <p:spPr/>
+        <p:txBody>
+          <a:bodyPr/>
+          <a:lstStyle/>
+          <a:p>
+            <a:r>
+              <a:rPr lang="en-US" dirty="0"/>
+              <a:t>Contact Information:</a:t>
+            </a:r>
+          </a:p>
+        </p:txBody>
+      </p:sp>
+      <p:sp>
+        <p:nvSpPr>
+          <p:cNvPr id="3" name="Content Placeholder 2">
+            <a:extLst>
+              <a:ext uri="{FF2B5EF4-FFF2-40B4-BE49-F238E27FC236}">
+                <a16:creationId xmlns:a16="http://schemas.microsoft.com/office/drawing/2014/main" id="{E4BE5E8E-3BF2-39E9-C956-05F90DA583E9}"/>
+              </a:ext>
+            </a:extLst>
+          </p:cNvPr>
+          <p:cNvSpPr>
+            <a:spLocks noGrp="1"/>
+          </p:cNvSpPr>
+          <p:nvPr>
+            <p:ph idx="1"/>
+          </p:nvPr>
+        </p:nvSpPr>
+        <p:spPr/>
+        <p:txBody>
+          <a:bodyPr/>
+          <a:lstStyle/>
+          <a:p>
+            <a:r>
+              <a:rPr lang="en-US" dirty="0"/>
+              <a:t>Git Hub: </a:t>
+            </a:r>
+            <a:r>
+              <a:rPr lang="en-US" dirty="0">
+                <a:hlinkClick r:id="rId2"/>
+              </a:rPr>
+              <a:t>https://github.com/wolfman1986/Build_a_Linear_Regression_Model</a:t>
+            </a:r>
+            <a:endParaRPr lang="en-US" dirty="0"/>
+          </a:p>
+          <a:p>
+            <a:r>
+              <a:rPr lang="en-US" dirty="0"/>
+              <a:t>YJ Kim: princetonlaw@protonmail.com</a:t>
+            </a:r>
+          </a:p>
+          <a:p>
+            <a:r>
+              <a:rPr lang="en-US" dirty="0"/>
+              <a:t>Ashton Wolf: ashton.wolf@yahoo.com</a:t>
+            </a:r>
+          </a:p>
+          <a:p>
+            <a:r>
+              <a:rPr lang="en-US" dirty="0"/>
+              <a:t>Bob Ebend: </a:t>
+            </a:r>
+            <a:r>
+              <a:rPr lang="en-US" dirty="0">
+                <a:hlinkClick r:id="rId3"/>
+              </a:rPr>
+              <a:t>robertebend@gmail.com</a:t>
+            </a:r>
+            <a:endParaRPr lang="en-US" dirty="0"/>
+          </a:p>
+          <a:p>
+            <a:r>
+              <a:rPr lang="en-US" dirty="0"/>
+              <a:t>Robert Auer: </a:t>
+            </a:r>
+            <a:r>
+              <a:rPr lang="en-US" dirty="0">
+                <a:hlinkClick r:id="rId4"/>
+              </a:rPr>
+              <a:t>rpauer3@gmail.com</a:t>
+            </a:r>
+            <a:endParaRPr lang="en-US" dirty="0"/>
+          </a:p>
+          <a:p>
+            <a:endParaRPr lang="en-US" dirty="0"/>
+          </a:p>
+        </p:txBody>
+      </p:sp>
+    </p:spTree>
+    <p:extLst>
+      <p:ext uri="{BB962C8B-B14F-4D97-AF65-F5344CB8AC3E}">
+        <p14:creationId xmlns:p14="http://schemas.microsoft.com/office/powerpoint/2010/main" val="355128953"/>
       </p:ext>
     </p:extLst>
   </p:cSld>
@@ -6279,6 +6354,15 @@
 </file>
 
 <file path=customXml/item1.xml><?xml version="1.0" encoding="utf-8"?>
+<?mso-contentType ?>
+<FormTemplates xmlns="http://schemas.microsoft.com/sharepoint/v3/contenttype/forms">
+  <Display>DocumentLibraryForm</Display>
+  <Edit>DocumentLibraryForm</Edit>
+  <New>DocumentLibraryForm</New>
+</FormTemplates>
+</file>
+
+<file path=customXml/item2.xml><?xml version="1.0" encoding="utf-8"?>
 <p:properties xmlns:p="http://schemas.microsoft.com/office/2006/metadata/properties" xmlns:xsi="http://www.w3.org/2001/XMLSchema-instance" xmlns:pc="http://schemas.microsoft.com/office/infopath/2007/PartnerControls">
   <documentManagement>
     <_ip_UnifiedCompliancePolicyUIAction xmlns="http://schemas.microsoft.com/sharepoint/v3" xsi:nil="true"/>
@@ -6296,15 +6380,6 @@
     <MediaServiceKeyPoints xmlns="71af3243-3dd4-4a8d-8c0d-dd76da1f02a5" xsi:nil="true"/>
   </documentManagement>
 </p:properties>
-</file>
-
-<file path=customXml/item2.xml><?xml version="1.0" encoding="utf-8"?>
-<?mso-contentType ?>
-<FormTemplates xmlns="http://schemas.microsoft.com/sharepoint/v3/contenttype/forms">
-  <Display>DocumentLibraryForm</Display>
-  <Edit>DocumentLibraryForm</Edit>
-  <New>DocumentLibraryForm</New>
-</FormTemplates>
 </file>
 
 <file path=customXml/item3.xml><?xml version="1.0" encoding="utf-8"?>
@@ -6614,6 +6689,14 @@
 </file>
 
 <file path=customXml/itemProps1.xml><?xml version="1.0" encoding="utf-8"?>
+<ds:datastoreItem xmlns:ds="http://schemas.openxmlformats.org/officeDocument/2006/customXml" ds:itemID="{19DAD249-BF80-48EF-9AFB-36A11BCDC2CE}">
+  <ds:schemaRefs>
+    <ds:schemaRef ds:uri="http://schemas.microsoft.com/sharepoint/v3/contenttype/forms"/>
+  </ds:schemaRefs>
+</ds:datastoreItem>
+</file>
+
+<file path=customXml/itemProps2.xml><?xml version="1.0" encoding="utf-8"?>
 <ds:datastoreItem xmlns:ds="http://schemas.openxmlformats.org/officeDocument/2006/customXml" ds:itemID="{6F4F4D41-822D-40F2-A7AC-E4E6CB36CA7A}">
   <ds:schemaRefs>
     <ds:schemaRef ds:uri="http://schemas.microsoft.com/office/2006/metadata/properties"/>
@@ -6621,14 +6704,6 @@
     <ds:schemaRef ds:uri="http://schemas.microsoft.com/sharepoint/v3"/>
     <ds:schemaRef ds:uri="71af3243-3dd4-4a8d-8c0d-dd76da1f02a5"/>
     <ds:schemaRef ds:uri="230e9df3-be65-4c73-a93b-d1236ebd677e"/>
-  </ds:schemaRefs>
-</ds:datastoreItem>
-</file>
-
-<file path=customXml/itemProps2.xml><?xml version="1.0" encoding="utf-8"?>
-<ds:datastoreItem xmlns:ds="http://schemas.openxmlformats.org/officeDocument/2006/customXml" ds:itemID="{19DAD249-BF80-48EF-9AFB-36A11BCDC2CE}">
-  <ds:schemaRefs>
-    <ds:schemaRef ds:uri="http://schemas.microsoft.com/sharepoint/v3/contenttype/forms"/>
   </ds:schemaRefs>
 </ds:datastoreItem>
 </file>

--- a/data/interest_rate.pptx
+++ b/data/interest_rate.pptx
@@ -4,6 +4,9 @@
   <p:sldMasterIdLst>
     <p:sldMasterId id="2147483746" r:id="rId4"/>
   </p:sldMasterIdLst>
+  <p:notesMasterIdLst>
+    <p:notesMasterId r:id="rId13"/>
+  </p:notesMasterIdLst>
   <p:sldIdLst>
     <p:sldId id="257" r:id="rId5"/>
     <p:sldId id="259" r:id="rId6"/>
@@ -192,6 +195,469 @@
     </pc:docChg>
   </pc:docChgLst>
 </pc:chgInfo>
+</file>
+
+<file path=ppt/notesMasters/notesMaster1.xml><?xml version="1.0" encoding="utf-8"?>
+<p:notesMaster xmlns:a="http://schemas.openxmlformats.org/drawingml/2006/main" xmlns:r="http://schemas.openxmlformats.org/officeDocument/2006/relationships" xmlns:p="http://schemas.openxmlformats.org/presentationml/2006/main">
+  <p:cSld>
+    <p:bg>
+      <p:bgRef idx="1001">
+        <a:schemeClr val="bg1"/>
+      </p:bgRef>
+    </p:bg>
+    <p:spTree>
+      <p:nvGrpSpPr>
+        <p:cNvPr id="1" name=""/>
+        <p:cNvGrpSpPr/>
+        <p:nvPr/>
+      </p:nvGrpSpPr>
+      <p:grpSpPr>
+        <a:xfrm>
+          <a:off x="0" y="0"/>
+          <a:ext cx="0" cy="0"/>
+          <a:chOff x="0" y="0"/>
+          <a:chExt cx="0" cy="0"/>
+        </a:xfrm>
+      </p:grpSpPr>
+      <p:sp>
+        <p:nvSpPr>
+          <p:cNvPr id="2" name="Header Placeholder 1"/>
+          <p:cNvSpPr>
+            <a:spLocks noGrp="1"/>
+          </p:cNvSpPr>
+          <p:nvPr>
+            <p:ph type="hdr" sz="quarter"/>
+          </p:nvPr>
+        </p:nvSpPr>
+        <p:spPr>
+          <a:xfrm>
+            <a:off x="0" y="0"/>
+            <a:ext cx="2971800" cy="458788"/>
+          </a:xfrm>
+          <a:prstGeom prst="rect">
+            <a:avLst/>
+          </a:prstGeom>
+        </p:spPr>
+        <p:txBody>
+          <a:bodyPr vert="horz" lIns="91440" tIns="45720" rIns="91440" bIns="45720" rtlCol="0"/>
+          <a:lstStyle>
+            <a:lvl1pPr algn="l">
+              <a:defRPr sz="1200"/>
+            </a:lvl1pPr>
+          </a:lstStyle>
+          <a:p>
+            <a:endParaRPr lang="en-US"/>
+          </a:p>
+        </p:txBody>
+      </p:sp>
+      <p:sp>
+        <p:nvSpPr>
+          <p:cNvPr id="3" name="Date Placeholder 2"/>
+          <p:cNvSpPr>
+            <a:spLocks noGrp="1"/>
+          </p:cNvSpPr>
+          <p:nvPr>
+            <p:ph type="dt" idx="1"/>
+          </p:nvPr>
+        </p:nvSpPr>
+        <p:spPr>
+          <a:xfrm>
+            <a:off x="3884613" y="0"/>
+            <a:ext cx="2971800" cy="458788"/>
+          </a:xfrm>
+          <a:prstGeom prst="rect">
+            <a:avLst/>
+          </a:prstGeom>
+        </p:spPr>
+        <p:txBody>
+          <a:bodyPr vert="horz" lIns="91440" tIns="45720" rIns="91440" bIns="45720" rtlCol="0"/>
+          <a:lstStyle>
+            <a:lvl1pPr algn="r">
+              <a:defRPr sz="1200"/>
+            </a:lvl1pPr>
+          </a:lstStyle>
+          <a:p>
+            <a:fld id="{DF6E6DAE-4423-4039-85F4-D8A6F1AC0517}" type="datetimeFigureOut">
+              <a:rPr lang="en-US" smtClean="0"/>
+              <a:t>7/28/2023</a:t>
+            </a:fld>
+            <a:endParaRPr lang="en-US"/>
+          </a:p>
+        </p:txBody>
+      </p:sp>
+      <p:sp>
+        <p:nvSpPr>
+          <p:cNvPr id="4" name="Slide Image Placeholder 3"/>
+          <p:cNvSpPr>
+            <a:spLocks noGrp="1" noRot="1" noChangeAspect="1"/>
+          </p:cNvSpPr>
+          <p:nvPr>
+            <p:ph type="sldImg" idx="2"/>
+          </p:nvPr>
+        </p:nvSpPr>
+        <p:spPr>
+          <a:xfrm>
+            <a:off x="685800" y="1143000"/>
+            <a:ext cx="5486400" cy="3086100"/>
+          </a:xfrm>
+          <a:prstGeom prst="rect">
+            <a:avLst/>
+          </a:prstGeom>
+          <a:noFill/>
+          <a:ln w="12700">
+            <a:solidFill>
+              <a:prstClr val="black"/>
+            </a:solidFill>
+          </a:ln>
+        </p:spPr>
+        <p:txBody>
+          <a:bodyPr vert="horz" lIns="91440" tIns="45720" rIns="91440" bIns="45720" rtlCol="0" anchor="ctr"/>
+          <a:lstStyle/>
+          <a:p>
+            <a:endParaRPr lang="en-US"/>
+          </a:p>
+        </p:txBody>
+      </p:sp>
+      <p:sp>
+        <p:nvSpPr>
+          <p:cNvPr id="5" name="Notes Placeholder 4"/>
+          <p:cNvSpPr>
+            <a:spLocks noGrp="1"/>
+          </p:cNvSpPr>
+          <p:nvPr>
+            <p:ph type="body" sz="quarter" idx="3"/>
+          </p:nvPr>
+        </p:nvSpPr>
+        <p:spPr>
+          <a:xfrm>
+            <a:off x="685800" y="4400550"/>
+            <a:ext cx="5486400" cy="3600450"/>
+          </a:xfrm>
+          <a:prstGeom prst="rect">
+            <a:avLst/>
+          </a:prstGeom>
+        </p:spPr>
+        <p:txBody>
+          <a:bodyPr vert="horz" lIns="91440" tIns="45720" rIns="91440" bIns="45720" rtlCol="0"/>
+          <a:lstStyle/>
+          <a:p>
+            <a:pPr lvl="0"/>
+            <a:r>
+              <a:rPr lang="en-US"/>
+              <a:t>Click to edit Master text styles</a:t>
+            </a:r>
+          </a:p>
+          <a:p>
+            <a:pPr lvl="1"/>
+            <a:r>
+              <a:rPr lang="en-US"/>
+              <a:t>Second level</a:t>
+            </a:r>
+          </a:p>
+          <a:p>
+            <a:pPr lvl="2"/>
+            <a:r>
+              <a:rPr lang="en-US"/>
+              <a:t>Third level</a:t>
+            </a:r>
+          </a:p>
+          <a:p>
+            <a:pPr lvl="3"/>
+            <a:r>
+              <a:rPr lang="en-US"/>
+              <a:t>Fourth level</a:t>
+            </a:r>
+          </a:p>
+          <a:p>
+            <a:pPr lvl="4"/>
+            <a:r>
+              <a:rPr lang="en-US"/>
+              <a:t>Fifth level</a:t>
+            </a:r>
+          </a:p>
+        </p:txBody>
+      </p:sp>
+      <p:sp>
+        <p:nvSpPr>
+          <p:cNvPr id="6" name="Footer Placeholder 5"/>
+          <p:cNvSpPr>
+            <a:spLocks noGrp="1"/>
+          </p:cNvSpPr>
+          <p:nvPr>
+            <p:ph type="ftr" sz="quarter" idx="4"/>
+          </p:nvPr>
+        </p:nvSpPr>
+        <p:spPr>
+          <a:xfrm>
+            <a:off x="0" y="8685213"/>
+            <a:ext cx="2971800" cy="458787"/>
+          </a:xfrm>
+          <a:prstGeom prst="rect">
+            <a:avLst/>
+          </a:prstGeom>
+        </p:spPr>
+        <p:txBody>
+          <a:bodyPr vert="horz" lIns="91440" tIns="45720" rIns="91440" bIns="45720" rtlCol="0" anchor="b"/>
+          <a:lstStyle>
+            <a:lvl1pPr algn="l">
+              <a:defRPr sz="1200"/>
+            </a:lvl1pPr>
+          </a:lstStyle>
+          <a:p>
+            <a:endParaRPr lang="en-US"/>
+          </a:p>
+        </p:txBody>
+      </p:sp>
+      <p:sp>
+        <p:nvSpPr>
+          <p:cNvPr id="7" name="Slide Number Placeholder 6"/>
+          <p:cNvSpPr>
+            <a:spLocks noGrp="1"/>
+          </p:cNvSpPr>
+          <p:nvPr>
+            <p:ph type="sldNum" sz="quarter" idx="5"/>
+          </p:nvPr>
+        </p:nvSpPr>
+        <p:spPr>
+          <a:xfrm>
+            <a:off x="3884613" y="8685213"/>
+            <a:ext cx="2971800" cy="458787"/>
+          </a:xfrm>
+          <a:prstGeom prst="rect">
+            <a:avLst/>
+          </a:prstGeom>
+        </p:spPr>
+        <p:txBody>
+          <a:bodyPr vert="horz" lIns="91440" tIns="45720" rIns="91440" bIns="45720" rtlCol="0" anchor="b"/>
+          <a:lstStyle>
+            <a:lvl1pPr algn="r">
+              <a:defRPr sz="1200"/>
+            </a:lvl1pPr>
+          </a:lstStyle>
+          <a:p>
+            <a:fld id="{80DD700E-3D3A-4259-AC8E-5F45ABE6C91D}" type="slidenum">
+              <a:rPr lang="en-US" smtClean="0"/>
+              <a:t>‹#›</a:t>
+            </a:fld>
+            <a:endParaRPr lang="en-US"/>
+          </a:p>
+        </p:txBody>
+      </p:sp>
+    </p:spTree>
+    <p:extLst>
+      <p:ext uri="{BB962C8B-B14F-4D97-AF65-F5344CB8AC3E}">
+        <p14:creationId xmlns:p14="http://schemas.microsoft.com/office/powerpoint/2010/main" val="2160236215"/>
+      </p:ext>
+    </p:extLst>
+  </p:cSld>
+  <p:clrMap bg1="lt1" tx1="dk1" bg2="lt2" tx2="dk2" accent1="accent1" accent2="accent2" accent3="accent3" accent4="accent4" accent5="accent5" accent6="accent6" hlink="hlink" folHlink="folHlink"/>
+  <p:notesStyle>
+    <a:lvl1pPr marL="0" algn="l" defTabSz="914400" rtl="0" eaLnBrk="1" latinLnBrk="0" hangingPunct="1">
+      <a:defRPr sz="1200" kern="1200">
+        <a:solidFill>
+          <a:schemeClr val="tx1"/>
+        </a:solidFill>
+        <a:latin typeface="+mn-lt"/>
+        <a:ea typeface="+mn-ea"/>
+        <a:cs typeface="+mn-cs"/>
+      </a:defRPr>
+    </a:lvl1pPr>
+    <a:lvl2pPr marL="457200" algn="l" defTabSz="914400" rtl="0" eaLnBrk="1" latinLnBrk="0" hangingPunct="1">
+      <a:defRPr sz="1200" kern="1200">
+        <a:solidFill>
+          <a:schemeClr val="tx1"/>
+        </a:solidFill>
+        <a:latin typeface="+mn-lt"/>
+        <a:ea typeface="+mn-ea"/>
+        <a:cs typeface="+mn-cs"/>
+      </a:defRPr>
+    </a:lvl2pPr>
+    <a:lvl3pPr marL="914400" algn="l" defTabSz="914400" rtl="0" eaLnBrk="1" latinLnBrk="0" hangingPunct="1">
+      <a:defRPr sz="1200" kern="1200">
+        <a:solidFill>
+          <a:schemeClr val="tx1"/>
+        </a:solidFill>
+        <a:latin typeface="+mn-lt"/>
+        <a:ea typeface="+mn-ea"/>
+        <a:cs typeface="+mn-cs"/>
+      </a:defRPr>
+    </a:lvl3pPr>
+    <a:lvl4pPr marL="1371600" algn="l" defTabSz="914400" rtl="0" eaLnBrk="1" latinLnBrk="0" hangingPunct="1">
+      <a:defRPr sz="1200" kern="1200">
+        <a:solidFill>
+          <a:schemeClr val="tx1"/>
+        </a:solidFill>
+        <a:latin typeface="+mn-lt"/>
+        <a:ea typeface="+mn-ea"/>
+        <a:cs typeface="+mn-cs"/>
+      </a:defRPr>
+    </a:lvl4pPr>
+    <a:lvl5pPr marL="1828800" algn="l" defTabSz="914400" rtl="0" eaLnBrk="1" latinLnBrk="0" hangingPunct="1">
+      <a:defRPr sz="1200" kern="1200">
+        <a:solidFill>
+          <a:schemeClr val="tx1"/>
+        </a:solidFill>
+        <a:latin typeface="+mn-lt"/>
+        <a:ea typeface="+mn-ea"/>
+        <a:cs typeface="+mn-cs"/>
+      </a:defRPr>
+    </a:lvl5pPr>
+    <a:lvl6pPr marL="2286000" algn="l" defTabSz="914400" rtl="0" eaLnBrk="1" latinLnBrk="0" hangingPunct="1">
+      <a:defRPr sz="1200" kern="1200">
+        <a:solidFill>
+          <a:schemeClr val="tx1"/>
+        </a:solidFill>
+        <a:latin typeface="+mn-lt"/>
+        <a:ea typeface="+mn-ea"/>
+        <a:cs typeface="+mn-cs"/>
+      </a:defRPr>
+    </a:lvl6pPr>
+    <a:lvl7pPr marL="2743200" algn="l" defTabSz="914400" rtl="0" eaLnBrk="1" latinLnBrk="0" hangingPunct="1">
+      <a:defRPr sz="1200" kern="1200">
+        <a:solidFill>
+          <a:schemeClr val="tx1"/>
+        </a:solidFill>
+        <a:latin typeface="+mn-lt"/>
+        <a:ea typeface="+mn-ea"/>
+        <a:cs typeface="+mn-cs"/>
+      </a:defRPr>
+    </a:lvl7pPr>
+    <a:lvl8pPr marL="3200400" algn="l" defTabSz="914400" rtl="0" eaLnBrk="1" latinLnBrk="0" hangingPunct="1">
+      <a:defRPr sz="1200" kern="1200">
+        <a:solidFill>
+          <a:schemeClr val="tx1"/>
+        </a:solidFill>
+        <a:latin typeface="+mn-lt"/>
+        <a:ea typeface="+mn-ea"/>
+        <a:cs typeface="+mn-cs"/>
+      </a:defRPr>
+    </a:lvl8pPr>
+    <a:lvl9pPr marL="3657600" algn="l" defTabSz="914400" rtl="0" eaLnBrk="1" latinLnBrk="0" hangingPunct="1">
+      <a:defRPr sz="1200" kern="1200">
+        <a:solidFill>
+          <a:schemeClr val="tx1"/>
+        </a:solidFill>
+        <a:latin typeface="+mn-lt"/>
+        <a:ea typeface="+mn-ea"/>
+        <a:cs typeface="+mn-cs"/>
+      </a:defRPr>
+    </a:lvl9pPr>
+  </p:notesStyle>
+</p:notesMaster>
+</file>
+
+<file path=ppt/notesSlides/notesSlide1.xml><?xml version="1.0" encoding="utf-8"?>
+<p:notes xmlns:a="http://schemas.openxmlformats.org/drawingml/2006/main" xmlns:r="http://schemas.openxmlformats.org/officeDocument/2006/relationships" xmlns:p="http://schemas.openxmlformats.org/presentationml/2006/main">
+  <p:cSld>
+    <p:spTree>
+      <p:nvGrpSpPr>
+        <p:cNvPr id="1" name=""/>
+        <p:cNvGrpSpPr/>
+        <p:nvPr/>
+      </p:nvGrpSpPr>
+      <p:grpSpPr>
+        <a:xfrm>
+          <a:off x="0" y="0"/>
+          <a:ext cx="0" cy="0"/>
+          <a:chOff x="0" y="0"/>
+          <a:chExt cx="0" cy="0"/>
+        </a:xfrm>
+      </p:grpSpPr>
+      <p:sp>
+        <p:nvSpPr>
+          <p:cNvPr id="2" name="Slide Image Placeholder 1"/>
+          <p:cNvSpPr>
+            <a:spLocks noGrp="1" noRot="1" noChangeAspect="1"/>
+          </p:cNvSpPr>
+          <p:nvPr>
+            <p:ph type="sldImg"/>
+          </p:nvPr>
+        </p:nvSpPr>
+        <p:spPr/>
+      </p:sp>
+      <p:sp>
+        <p:nvSpPr>
+          <p:cNvPr id="3" name="Notes Placeholder 2"/>
+          <p:cNvSpPr>
+            <a:spLocks noGrp="1"/>
+          </p:cNvSpPr>
+          <p:nvPr>
+            <p:ph type="body" idx="1"/>
+          </p:nvPr>
+        </p:nvSpPr>
+        <p:spPr/>
+        <p:txBody>
+          <a:bodyPr/>
+          <a:lstStyle/>
+          <a:p>
+            <a:r>
+              <a:rPr lang="en-US" sz="2400" dirty="0"/>
+              <a:t>With given dataset, we analyzed relationships between dependent and independent variables with pair plot. </a:t>
+            </a:r>
+          </a:p>
+          <a:p>
+            <a:endParaRPr lang="en-US" sz="2400" dirty="0"/>
+          </a:p>
+          <a:p>
+            <a:r>
+              <a:rPr lang="en-US" sz="2400" dirty="0"/>
+              <a:t>The result was quite interesting. As you can see on the graph, only FICO score range has some pattern of relationship with interest rate. </a:t>
+            </a:r>
+          </a:p>
+          <a:p>
+            <a:endParaRPr lang="en-US" sz="2400" dirty="0"/>
+          </a:p>
+          <a:p>
+            <a:r>
+              <a:rPr lang="en-US" sz="2400" dirty="0"/>
+              <a:t>Meanwhile, other independent variables, such as loan length did not appear to have a clear relationship. </a:t>
+            </a:r>
+          </a:p>
+          <a:p>
+            <a:endParaRPr lang="en-US" sz="2400" dirty="0"/>
+          </a:p>
+          <a:p>
+            <a:r>
+              <a:rPr lang="en-US" sz="2400" dirty="0"/>
+              <a:t>So, we focused on the FICO score range as our independent variable.</a:t>
+            </a:r>
+          </a:p>
+        </p:txBody>
+      </p:sp>
+      <p:sp>
+        <p:nvSpPr>
+          <p:cNvPr id="4" name="Slide Number Placeholder 3"/>
+          <p:cNvSpPr>
+            <a:spLocks noGrp="1"/>
+          </p:cNvSpPr>
+          <p:nvPr>
+            <p:ph type="sldNum" sz="quarter" idx="5"/>
+          </p:nvPr>
+        </p:nvSpPr>
+        <p:spPr/>
+        <p:txBody>
+          <a:bodyPr/>
+          <a:lstStyle/>
+          <a:p>
+            <a:fld id="{15934948-D4AD-40E4-BE06-74DFF3B91CD9}" type="slidenum">
+              <a:rPr lang="en-US" smtClean="0"/>
+              <a:t>4</a:t>
+            </a:fld>
+            <a:endParaRPr lang="en-US"/>
+          </a:p>
+        </p:txBody>
+      </p:sp>
+    </p:spTree>
+    <p:extLst>
+      <p:ext uri="{BB962C8B-B14F-4D97-AF65-F5344CB8AC3E}">
+        <p14:creationId xmlns:p14="http://schemas.microsoft.com/office/powerpoint/2010/main" val="2311273693"/>
+      </p:ext>
+    </p:extLst>
+  </p:cSld>
+  <p:clrMapOvr>
+    <a:masterClrMapping/>
+  </p:clrMapOvr>
+</p:notes>
 </file>
 
 <file path=ppt/slideLayouts/slideLayout1.xml><?xml version="1.0" encoding="utf-8"?>
@@ -4487,12 +4953,14 @@
         </p:nvSpPr>
         <p:spPr>
           <a:xfrm>
-            <a:off x="1097280" y="2108202"/>
-            <a:ext cx="10058400" cy="863598"/>
+            <a:off x="357202" y="2110935"/>
+            <a:ext cx="11469329" cy="912484"/>
           </a:xfrm>
         </p:spPr>
         <p:txBody>
-          <a:bodyPr/>
+          <a:bodyPr>
+            <a:normAutofit lnSpcReduction="10000"/>
+          </a:bodyPr>
           <a:lstStyle/>
           <a:p>
             <a:pPr>
@@ -4503,6 +4971,30 @@
               <a:rPr lang="en-US" dirty="0"/>
               <a:t> It was discovered that there were correlations with the FICO score and the interest rate based off our pair plot </a:t>
             </a:r>
+          </a:p>
+          <a:p>
+            <a:pPr>
+              <a:buFont typeface="Wingdings" panose="05000000000000000000" pitchFamily="2" charset="2"/>
+              <a:buChar char="Ø"/>
+            </a:pPr>
+            <a:r>
+              <a:rPr lang="en-US" dirty="0"/>
+              <a:t> Through our analysis there was no correlation observed between Interest Rates and other columns</a:t>
+            </a:r>
+          </a:p>
+          <a:p>
+            <a:pPr>
+              <a:buFont typeface="Wingdings" panose="05000000000000000000" pitchFamily="2" charset="2"/>
+              <a:buChar char="Ø"/>
+            </a:pPr>
+            <a:endParaRPr lang="en-US" dirty="0"/>
+          </a:p>
+          <a:p>
+            <a:pPr>
+              <a:buFont typeface="Wingdings" panose="05000000000000000000" pitchFamily="2" charset="2"/>
+              <a:buChar char="Ø"/>
+            </a:pPr>
+            <a:endParaRPr lang="en-US" dirty="0"/>
           </a:p>
           <a:p>
             <a:pPr>
@@ -4535,7 +5027,7 @@
           <p:nvPr/>
         </p:nvPicPr>
         <p:blipFill>
-          <a:blip r:embed="rId2">
+          <a:blip r:embed="rId3">
             <a:extLst>
               <a:ext uri="{28A0092B-C50C-407E-A947-70E740481C1C}">
                 <a14:useLocalDpi xmlns:a14="http://schemas.microsoft.com/office/drawing/2010/main" val="0"/>
@@ -4548,7 +5040,7 @@
         </p:blipFill>
         <p:spPr>
           <a:xfrm>
-            <a:off x="938021" y="3500278"/>
+            <a:off x="365469" y="3501877"/>
             <a:ext cx="2734057" cy="2276793"/>
           </a:xfrm>
           <a:prstGeom prst="rect">
@@ -4571,7 +5063,7 @@
           <p:nvPr/>
         </p:nvPicPr>
         <p:blipFill>
-          <a:blip r:embed="rId3">
+          <a:blip r:embed="rId4">
             <a:extLst>
               <a:ext uri="{28A0092B-C50C-407E-A947-70E740481C1C}">
                 <a14:useLocalDpi xmlns:a14="http://schemas.microsoft.com/office/drawing/2010/main" val="0"/>
@@ -4584,7 +5076,7 @@
         </p:blipFill>
         <p:spPr>
           <a:xfrm>
-            <a:off x="2016057" y="5764381"/>
+            <a:off x="1496411" y="5778670"/>
             <a:ext cx="971686" cy="190527"/>
           </a:xfrm>
           <a:prstGeom prst="rect">
@@ -4607,7 +5099,7 @@
           <p:nvPr/>
         </p:nvPicPr>
         <p:blipFill>
-          <a:blip r:embed="rId4">
+          <a:blip r:embed="rId5">
             <a:extLst>
               <a:ext uri="{28A0092B-C50C-407E-A947-70E740481C1C}">
                 <a14:useLocalDpi xmlns:a14="http://schemas.microsoft.com/office/drawing/2010/main" val="0"/>
@@ -4620,7 +5112,7 @@
         </p:blipFill>
         <p:spPr>
           <a:xfrm>
-            <a:off x="3819339" y="3462178"/>
+            <a:off x="3096684" y="3446583"/>
             <a:ext cx="2667372" cy="2648320"/>
           </a:xfrm>
           <a:prstGeom prst="rect">
@@ -4628,45 +5120,150 @@
           </a:prstGeom>
         </p:spPr>
       </p:pic>
-      <p:sp>
-        <p:nvSpPr>
-          <p:cNvPr id="11" name="TextBox 10">
+      <p:pic>
+        <p:nvPicPr>
+          <p:cNvPr id="6" name="Picture 5">
             <a:extLst>
               <a:ext uri="{FF2B5EF4-FFF2-40B4-BE49-F238E27FC236}">
-                <a16:creationId xmlns:a16="http://schemas.microsoft.com/office/drawing/2014/main" id="{C9334416-61DF-5749-FA4C-E9E3722873E1}"/>
+                <a16:creationId xmlns:a16="http://schemas.microsoft.com/office/drawing/2014/main" id="{C493CBC8-FFA9-3E41-C46F-11D03D0AB69B}"/>
               </a:ext>
             </a:extLst>
           </p:cNvPr>
-          <p:cNvSpPr txBox="1"/>
+          <p:cNvPicPr>
+            <a:picLocks noChangeAspect="1"/>
+          </p:cNvPicPr>
           <p:nvPr/>
-        </p:nvSpPr>
+        </p:nvPicPr>
+        <p:blipFill>
+          <a:blip r:embed="rId6">
+            <a:extLst>
+              <a:ext uri="{28A0092B-C50C-407E-A947-70E740481C1C}">
+                <a14:useLocalDpi xmlns:a14="http://schemas.microsoft.com/office/drawing/2010/main" val="0"/>
+              </a:ext>
+            </a:extLst>
+          </a:blip>
+          <a:stretch>
+            <a:fillRect/>
+          </a:stretch>
+        </p:blipFill>
         <p:spPr>
           <a:xfrm>
-            <a:off x="7448550" y="3462177"/>
-            <a:ext cx="3581400" cy="1200329"/>
+            <a:off x="6029054" y="3516166"/>
+            <a:ext cx="2857899" cy="2248214"/>
           </a:xfrm>
           <a:prstGeom prst="rect">
             <a:avLst/>
           </a:prstGeom>
-          <a:noFill/>
         </p:spPr>
-        <p:txBody>
-          <a:bodyPr wrap="square" rtlCol="0">
-            <a:spAutoFit/>
-          </a:bodyPr>
-          <a:lstStyle/>
-          <a:p>
-            <a:pPr marL="285750" indent="-285750">
-              <a:buFont typeface="Wingdings" panose="05000000000000000000" pitchFamily="2" charset="2"/>
-              <a:buChar char="Ø"/>
-            </a:pPr>
-            <a:r>
-              <a:rPr lang="en-US" dirty="0"/>
-              <a:t>Through our analysis there was no correlation observed between Interest Rates and other columns</a:t>
-            </a:r>
-          </a:p>
-        </p:txBody>
-      </p:sp>
+      </p:pic>
+      <p:pic>
+        <p:nvPicPr>
+          <p:cNvPr id="8" name="Picture 7">
+            <a:extLst>
+              <a:ext uri="{FF2B5EF4-FFF2-40B4-BE49-F238E27FC236}">
+                <a16:creationId xmlns:a16="http://schemas.microsoft.com/office/drawing/2014/main" id="{48A10BC7-67F6-C442-C72E-87EE415A47DD}"/>
+              </a:ext>
+            </a:extLst>
+          </p:cNvPr>
+          <p:cNvPicPr>
+            <a:picLocks noChangeAspect="1"/>
+          </p:cNvPicPr>
+          <p:nvPr/>
+        </p:nvPicPr>
+        <p:blipFill>
+          <a:blip r:embed="rId4">
+            <a:extLst>
+              <a:ext uri="{28A0092B-C50C-407E-A947-70E740481C1C}">
+                <a14:useLocalDpi xmlns:a14="http://schemas.microsoft.com/office/drawing/2010/main" val="0"/>
+              </a:ext>
+            </a:extLst>
+          </a:blip>
+          <a:stretch>
+            <a:fillRect/>
+          </a:stretch>
+        </p:blipFill>
+        <p:spPr>
+          <a:xfrm>
+            <a:off x="7283492" y="5750532"/>
+            <a:ext cx="971686" cy="190527"/>
+          </a:xfrm>
+          <a:prstGeom prst="rect">
+            <a:avLst/>
+          </a:prstGeom>
+        </p:spPr>
+      </p:pic>
+      <p:pic>
+        <p:nvPicPr>
+          <p:cNvPr id="12" name="Picture 11">
+            <a:extLst>
+              <a:ext uri="{FF2B5EF4-FFF2-40B4-BE49-F238E27FC236}">
+                <a16:creationId xmlns:a16="http://schemas.microsoft.com/office/drawing/2014/main" id="{1F6275CF-DD4E-D401-6497-5DA3282EB0EA}"/>
+              </a:ext>
+            </a:extLst>
+          </p:cNvPr>
+          <p:cNvPicPr>
+            <a:picLocks noChangeAspect="1"/>
+          </p:cNvPicPr>
+          <p:nvPr/>
+        </p:nvPicPr>
+        <p:blipFill>
+          <a:blip r:embed="rId7">
+            <a:extLst>
+              <a:ext uri="{28A0092B-C50C-407E-A947-70E740481C1C}">
+                <a14:useLocalDpi xmlns:a14="http://schemas.microsoft.com/office/drawing/2010/main" val="0"/>
+              </a:ext>
+            </a:extLst>
+          </a:blip>
+          <a:stretch>
+            <a:fillRect/>
+          </a:stretch>
+        </p:blipFill>
+        <p:spPr>
+          <a:xfrm>
+            <a:off x="8949580" y="3530455"/>
+            <a:ext cx="2876951" cy="2219635"/>
+          </a:xfrm>
+          <a:prstGeom prst="rect">
+            <a:avLst/>
+          </a:prstGeom>
+        </p:spPr>
+      </p:pic>
+      <p:pic>
+        <p:nvPicPr>
+          <p:cNvPr id="13" name="Picture 12">
+            <a:extLst>
+              <a:ext uri="{FF2B5EF4-FFF2-40B4-BE49-F238E27FC236}">
+                <a16:creationId xmlns:a16="http://schemas.microsoft.com/office/drawing/2014/main" id="{0BBBA667-45AE-299A-AAEA-C07DBD571ED6}"/>
+              </a:ext>
+            </a:extLst>
+          </p:cNvPr>
+          <p:cNvPicPr>
+            <a:picLocks noChangeAspect="1"/>
+          </p:cNvPicPr>
+          <p:nvPr/>
+        </p:nvPicPr>
+        <p:blipFill>
+          <a:blip r:embed="rId4">
+            <a:extLst>
+              <a:ext uri="{28A0092B-C50C-407E-A947-70E740481C1C}">
+                <a14:useLocalDpi xmlns:a14="http://schemas.microsoft.com/office/drawing/2010/main" val="0"/>
+              </a:ext>
+            </a:extLst>
+          </a:blip>
+          <a:stretch>
+            <a:fillRect/>
+          </a:stretch>
+        </p:blipFill>
+        <p:spPr>
+          <a:xfrm>
+            <a:off x="10244954" y="5795761"/>
+            <a:ext cx="971686" cy="190527"/>
+          </a:xfrm>
+          <a:prstGeom prst="rect">
+            <a:avLst/>
+          </a:prstGeom>
+        </p:spPr>
+      </p:pic>
     </p:spTree>
     <p:extLst>
       <p:ext uri="{BB962C8B-B14F-4D97-AF65-F5344CB8AC3E}">
@@ -6353,6 +6950,301 @@
 </a:theme>
 </file>
 
+<file path=ppt/theme/theme2.xml><?xml version="1.0" encoding="utf-8"?>
+<a:theme xmlns:a="http://schemas.openxmlformats.org/drawingml/2006/main" name="Office Theme">
+  <a:themeElements>
+    <a:clrScheme name="Office">
+      <a:dk1>
+        <a:sysClr val="windowText" lastClr="000000"/>
+      </a:dk1>
+      <a:lt1>
+        <a:sysClr val="window" lastClr="FFFFFF"/>
+      </a:lt1>
+      <a:dk2>
+        <a:srgbClr val="44546A"/>
+      </a:dk2>
+      <a:lt2>
+        <a:srgbClr val="E7E6E6"/>
+      </a:lt2>
+      <a:accent1>
+        <a:srgbClr val="4472C4"/>
+      </a:accent1>
+      <a:accent2>
+        <a:srgbClr val="ED7D31"/>
+      </a:accent2>
+      <a:accent3>
+        <a:srgbClr val="A5A5A5"/>
+      </a:accent3>
+      <a:accent4>
+        <a:srgbClr val="FFC000"/>
+      </a:accent4>
+      <a:accent5>
+        <a:srgbClr val="5B9BD5"/>
+      </a:accent5>
+      <a:accent6>
+        <a:srgbClr val="70AD47"/>
+      </a:accent6>
+      <a:hlink>
+        <a:srgbClr val="0563C1"/>
+      </a:hlink>
+      <a:folHlink>
+        <a:srgbClr val="954F72"/>
+      </a:folHlink>
+    </a:clrScheme>
+    <a:fontScheme name="Office">
+      <a:majorFont>
+        <a:latin typeface="Calibri Light" panose="020F0302020204030204"/>
+        <a:ea typeface=""/>
+        <a:cs typeface=""/>
+        <a:font script="Jpan" typeface="游ゴシック Light"/>
+        <a:font script="Hang" typeface="맑은 고딕"/>
+        <a:font script="Hans" typeface="等线 Light"/>
+        <a:font script="Hant" typeface="新細明體"/>
+        <a:font script="Arab" typeface="Times New Roman"/>
+        <a:font script="Hebr" typeface="Times New Roman"/>
+        <a:font script="Thai" typeface="Angsana New"/>
+        <a:font script="Ethi" typeface="Nyala"/>
+        <a:font script="Beng" typeface="Vrinda"/>
+        <a:font script="Gujr" typeface="Shruti"/>
+        <a:font script="Khmr" typeface="MoolBoran"/>
+        <a:font script="Knda" typeface="Tunga"/>
+        <a:font script="Guru" typeface="Raavi"/>
+        <a:font script="Cans" typeface="Euphemia"/>
+        <a:font script="Cher" typeface="Plantagenet Cherokee"/>
+        <a:font script="Yiii" typeface="Microsoft Yi Baiti"/>
+        <a:font script="Tibt" typeface="Microsoft Himalaya"/>
+        <a:font script="Thaa" typeface="MV Boli"/>
+        <a:font script="Deva" typeface="Mangal"/>
+        <a:font script="Telu" typeface="Gautami"/>
+        <a:font script="Taml" typeface="Latha"/>
+        <a:font script="Syrc" typeface="Estrangelo Edessa"/>
+        <a:font script="Orya" typeface="Kalinga"/>
+        <a:font script="Mlym" typeface="Kartika"/>
+        <a:font script="Laoo" typeface="DokChampa"/>
+        <a:font script="Sinh" typeface="Iskoola Pota"/>
+        <a:font script="Mong" typeface="Mongolian Baiti"/>
+        <a:font script="Viet" typeface="Times New Roman"/>
+        <a:font script="Uigh" typeface="Microsoft Uighur"/>
+        <a:font script="Geor" typeface="Sylfaen"/>
+        <a:font script="Armn" typeface="Arial"/>
+        <a:font script="Bugi" typeface="Leelawadee UI"/>
+        <a:font script="Bopo" typeface="Microsoft JhengHei"/>
+        <a:font script="Java" typeface="Javanese Text"/>
+        <a:font script="Lisu" typeface="Segoe UI"/>
+        <a:font script="Mymr" typeface="Myanmar Text"/>
+        <a:font script="Nkoo" typeface="Ebrima"/>
+        <a:font script="Olck" typeface="Nirmala UI"/>
+        <a:font script="Osma" typeface="Ebrima"/>
+        <a:font script="Phag" typeface="Phagspa"/>
+        <a:font script="Syrn" typeface="Estrangelo Edessa"/>
+        <a:font script="Syrj" typeface="Estrangelo Edessa"/>
+        <a:font script="Syre" typeface="Estrangelo Edessa"/>
+        <a:font script="Sora" typeface="Nirmala UI"/>
+        <a:font script="Tale" typeface="Microsoft Tai Le"/>
+        <a:font script="Talu" typeface="Microsoft New Tai Lue"/>
+        <a:font script="Tfng" typeface="Ebrima"/>
+      </a:majorFont>
+      <a:minorFont>
+        <a:latin typeface="Calibri" panose="020F0502020204030204"/>
+        <a:ea typeface=""/>
+        <a:cs typeface=""/>
+        <a:font script="Jpan" typeface="游ゴシック"/>
+        <a:font script="Hang" typeface="맑은 고딕"/>
+        <a:font script="Hans" typeface="等线"/>
+        <a:font script="Hant" typeface="新細明體"/>
+        <a:font script="Arab" typeface="Arial"/>
+        <a:font script="Hebr" typeface="Arial"/>
+        <a:font script="Thai" typeface="Cordia New"/>
+        <a:font script="Ethi" typeface="Nyala"/>
+        <a:font script="Beng" typeface="Vrinda"/>
+        <a:font script="Gujr" typeface="Shruti"/>
+        <a:font script="Khmr" typeface="DaunPenh"/>
+        <a:font script="Knda" typeface="Tunga"/>
+        <a:font script="Guru" typeface="Raavi"/>
+        <a:font script="Cans" typeface="Euphemia"/>
+        <a:font script="Cher" typeface="Plantagenet Cherokee"/>
+        <a:font script="Yiii" typeface="Microsoft Yi Baiti"/>
+        <a:font script="Tibt" typeface="Microsoft Himalaya"/>
+        <a:font script="Thaa" typeface="MV Boli"/>
+        <a:font script="Deva" typeface="Mangal"/>
+        <a:font script="Telu" typeface="Gautami"/>
+        <a:font script="Taml" typeface="Latha"/>
+        <a:font script="Syrc" typeface="Estrangelo Edessa"/>
+        <a:font script="Orya" typeface="Kalinga"/>
+        <a:font script="Mlym" typeface="Kartika"/>
+        <a:font script="Laoo" typeface="DokChampa"/>
+        <a:font script="Sinh" typeface="Iskoola Pota"/>
+        <a:font script="Mong" typeface="Mongolian Baiti"/>
+        <a:font script="Viet" typeface="Arial"/>
+        <a:font script="Uigh" typeface="Microsoft Uighur"/>
+        <a:font script="Geor" typeface="Sylfaen"/>
+        <a:font script="Armn" typeface="Arial"/>
+        <a:font script="Bugi" typeface="Leelawadee UI"/>
+        <a:font script="Bopo" typeface="Microsoft JhengHei"/>
+        <a:font script="Java" typeface="Javanese Text"/>
+        <a:font script="Lisu" typeface="Segoe UI"/>
+        <a:font script="Mymr" typeface="Myanmar Text"/>
+        <a:font script="Nkoo" typeface="Ebrima"/>
+        <a:font script="Olck" typeface="Nirmala UI"/>
+        <a:font script="Osma" typeface="Ebrima"/>
+        <a:font script="Phag" typeface="Phagspa"/>
+        <a:font script="Syrn" typeface="Estrangelo Edessa"/>
+        <a:font script="Syrj" typeface="Estrangelo Edessa"/>
+        <a:font script="Syre" typeface="Estrangelo Edessa"/>
+        <a:font script="Sora" typeface="Nirmala UI"/>
+        <a:font script="Tale" typeface="Microsoft Tai Le"/>
+        <a:font script="Talu" typeface="Microsoft New Tai Lue"/>
+        <a:font script="Tfng" typeface="Ebrima"/>
+      </a:minorFont>
+    </a:fontScheme>
+    <a:fmtScheme name="Office">
+      <a:fillStyleLst>
+        <a:solidFill>
+          <a:schemeClr val="phClr"/>
+        </a:solidFill>
+        <a:gradFill rotWithShape="1">
+          <a:gsLst>
+            <a:gs pos="0">
+              <a:schemeClr val="phClr">
+                <a:lumMod val="110000"/>
+                <a:satMod val="105000"/>
+                <a:tint val="67000"/>
+              </a:schemeClr>
+            </a:gs>
+            <a:gs pos="50000">
+              <a:schemeClr val="phClr">
+                <a:lumMod val="105000"/>
+                <a:satMod val="103000"/>
+                <a:tint val="73000"/>
+              </a:schemeClr>
+            </a:gs>
+            <a:gs pos="100000">
+              <a:schemeClr val="phClr">
+                <a:lumMod val="105000"/>
+                <a:satMod val="109000"/>
+                <a:tint val="81000"/>
+              </a:schemeClr>
+            </a:gs>
+          </a:gsLst>
+          <a:lin ang="5400000" scaled="0"/>
+        </a:gradFill>
+        <a:gradFill rotWithShape="1">
+          <a:gsLst>
+            <a:gs pos="0">
+              <a:schemeClr val="phClr">
+                <a:satMod val="103000"/>
+                <a:lumMod val="102000"/>
+                <a:tint val="94000"/>
+              </a:schemeClr>
+            </a:gs>
+            <a:gs pos="50000">
+              <a:schemeClr val="phClr">
+                <a:satMod val="110000"/>
+                <a:lumMod val="100000"/>
+                <a:shade val="100000"/>
+              </a:schemeClr>
+            </a:gs>
+            <a:gs pos="100000">
+              <a:schemeClr val="phClr">
+                <a:lumMod val="99000"/>
+                <a:satMod val="120000"/>
+                <a:shade val="78000"/>
+              </a:schemeClr>
+            </a:gs>
+          </a:gsLst>
+          <a:lin ang="5400000" scaled="0"/>
+        </a:gradFill>
+      </a:fillStyleLst>
+      <a:lnStyleLst>
+        <a:ln w="6350" cap="flat" cmpd="sng" algn="ctr">
+          <a:solidFill>
+            <a:schemeClr val="phClr"/>
+          </a:solidFill>
+          <a:prstDash val="solid"/>
+          <a:miter lim="800000"/>
+        </a:ln>
+        <a:ln w="12700" cap="flat" cmpd="sng" algn="ctr">
+          <a:solidFill>
+            <a:schemeClr val="phClr"/>
+          </a:solidFill>
+          <a:prstDash val="solid"/>
+          <a:miter lim="800000"/>
+        </a:ln>
+        <a:ln w="19050" cap="flat" cmpd="sng" algn="ctr">
+          <a:solidFill>
+            <a:schemeClr val="phClr"/>
+          </a:solidFill>
+          <a:prstDash val="solid"/>
+          <a:miter lim="800000"/>
+        </a:ln>
+      </a:lnStyleLst>
+      <a:effectStyleLst>
+        <a:effectStyle>
+          <a:effectLst/>
+        </a:effectStyle>
+        <a:effectStyle>
+          <a:effectLst/>
+        </a:effectStyle>
+        <a:effectStyle>
+          <a:effectLst>
+            <a:outerShdw blurRad="57150" dist="19050" dir="5400000" algn="ctr" rotWithShape="0">
+              <a:srgbClr val="000000">
+                <a:alpha val="63000"/>
+              </a:srgbClr>
+            </a:outerShdw>
+          </a:effectLst>
+        </a:effectStyle>
+      </a:effectStyleLst>
+      <a:bgFillStyleLst>
+        <a:solidFill>
+          <a:schemeClr val="phClr"/>
+        </a:solidFill>
+        <a:solidFill>
+          <a:schemeClr val="phClr">
+            <a:tint val="95000"/>
+            <a:satMod val="170000"/>
+          </a:schemeClr>
+        </a:solidFill>
+        <a:gradFill rotWithShape="1">
+          <a:gsLst>
+            <a:gs pos="0">
+              <a:schemeClr val="phClr">
+                <a:tint val="93000"/>
+                <a:satMod val="150000"/>
+                <a:shade val="98000"/>
+                <a:lumMod val="102000"/>
+              </a:schemeClr>
+            </a:gs>
+            <a:gs pos="50000">
+              <a:schemeClr val="phClr">
+                <a:tint val="98000"/>
+                <a:satMod val="130000"/>
+                <a:shade val="90000"/>
+                <a:lumMod val="103000"/>
+              </a:schemeClr>
+            </a:gs>
+            <a:gs pos="100000">
+              <a:schemeClr val="phClr">
+                <a:shade val="63000"/>
+                <a:satMod val="120000"/>
+              </a:schemeClr>
+            </a:gs>
+          </a:gsLst>
+          <a:lin ang="5400000" scaled="0"/>
+        </a:gradFill>
+      </a:bgFillStyleLst>
+    </a:fmtScheme>
+  </a:themeElements>
+  <a:objectDefaults/>
+  <a:extraClrSchemeLst/>
+  <a:extLst>
+    <a:ext uri="{05A4C25C-085E-4340-85A3-A5531E510DB2}">
+      <thm15:themeFamily xmlns:thm15="http://schemas.microsoft.com/office/thememl/2012/main" name="Office Theme" id="{62F939B6-93AF-4DB8-9C6B-D6C7DFDC589F}" vid="{4A3C46E8-61CC-4603-A589-7422A47A8E4A}"/>
+    </a:ext>
+  </a:extLst>
+</a:theme>
+</file>
+
 <file path=customXml/item1.xml><?xml version="1.0" encoding="utf-8"?>
 <?mso-contentType ?>
 <FormTemplates xmlns="http://schemas.microsoft.com/sharepoint/v3/contenttype/forms">
@@ -6363,26 +7255,6 @@
 </file>
 
 <file path=customXml/item2.xml><?xml version="1.0" encoding="utf-8"?>
-<p:properties xmlns:p="http://schemas.microsoft.com/office/2006/metadata/properties" xmlns:xsi="http://www.w3.org/2001/XMLSchema-instance" xmlns:pc="http://schemas.microsoft.com/office/infopath/2007/PartnerControls">
-  <documentManagement>
-    <_ip_UnifiedCompliancePolicyUIAction xmlns="http://schemas.microsoft.com/sharepoint/v3" xsi:nil="true"/>
-    <Image xmlns="71af3243-3dd4-4a8d-8c0d-dd76da1f02a5">
-      <Url xsi:nil="true"/>
-      <Description xsi:nil="true"/>
-    </Image>
-    <Status xmlns="71af3243-3dd4-4a8d-8c0d-dd76da1f02a5">Not started</Status>
-    <Background xmlns="71af3243-3dd4-4a8d-8c0d-dd76da1f02a5">false</Background>
-    <_ip_UnifiedCompliancePolicyProperties xmlns="http://schemas.microsoft.com/sharepoint/v3" xsi:nil="true"/>
-    <ImageTagsTaxHTField xmlns="71af3243-3dd4-4a8d-8c0d-dd76da1f02a5">
-      <Terms xmlns="http://schemas.microsoft.com/office/infopath/2007/PartnerControls"/>
-    </ImageTagsTaxHTField>
-    <TaxCatchAll xmlns="230e9df3-be65-4c73-a93b-d1236ebd677e" xsi:nil="true"/>
-    <MediaServiceKeyPoints xmlns="71af3243-3dd4-4a8d-8c0d-dd76da1f02a5" xsi:nil="true"/>
-  </documentManagement>
-</p:properties>
-</file>
-
-<file path=customXml/item3.xml><?xml version="1.0" encoding="utf-8"?>
 <ct:contentTypeSchema xmlns:ct="http://schemas.microsoft.com/office/2006/metadata/contentType" xmlns:ma="http://schemas.microsoft.com/office/2006/metadata/properties/metaAttributes" ct:_="" ma:_="" ma:contentTypeName="Document" ma:contentTypeID="0x01010079F111ED35F8CC479449609E8A0923A6" ma:contentTypeVersion="27" ma:contentTypeDescription="Create a new document." ma:contentTypeScope="" ma:versionID="c6f9a84f66a9c8b9a21755b9ffafb945">
   <xsd:schema xmlns:xsd="http://www.w3.org/2001/XMLSchema" xmlns:xs="http://www.w3.org/2001/XMLSchema" xmlns:p="http://schemas.microsoft.com/office/2006/metadata/properties" xmlns:ns1="http://schemas.microsoft.com/sharepoint/v3" xmlns:ns2="71af3243-3dd4-4a8d-8c0d-dd76da1f02a5" xmlns:ns3="16c05727-aa75-4e4a-9b5f-8a80a1165891" xmlns:ns4="230e9df3-be65-4c73-a93b-d1236ebd677e" targetNamespace="http://schemas.microsoft.com/office/2006/metadata/properties" ma:root="true" ma:fieldsID="27df39e3e7036dff54f89ddd5805ce72" ns1:_="" ns2:_="" ns3:_="" ns4:_="">
     <xsd:import namespace="http://schemas.microsoft.com/sharepoint/v3"/>
@@ -6688,6 +7560,26 @@
 </ct:contentTypeSchema>
 </file>
 
+<file path=customXml/item3.xml><?xml version="1.0" encoding="utf-8"?>
+<p:properties xmlns:p="http://schemas.microsoft.com/office/2006/metadata/properties" xmlns:xsi="http://www.w3.org/2001/XMLSchema-instance" xmlns:pc="http://schemas.microsoft.com/office/infopath/2007/PartnerControls">
+  <documentManagement>
+    <_ip_UnifiedCompliancePolicyUIAction xmlns="http://schemas.microsoft.com/sharepoint/v3" xsi:nil="true"/>
+    <Image xmlns="71af3243-3dd4-4a8d-8c0d-dd76da1f02a5">
+      <Url xsi:nil="true"/>
+      <Description xsi:nil="true"/>
+    </Image>
+    <Status xmlns="71af3243-3dd4-4a8d-8c0d-dd76da1f02a5">Not started</Status>
+    <Background xmlns="71af3243-3dd4-4a8d-8c0d-dd76da1f02a5">false</Background>
+    <_ip_UnifiedCompliancePolicyProperties xmlns="http://schemas.microsoft.com/sharepoint/v3" xsi:nil="true"/>
+    <ImageTagsTaxHTField xmlns="71af3243-3dd4-4a8d-8c0d-dd76da1f02a5">
+      <Terms xmlns="http://schemas.microsoft.com/office/infopath/2007/PartnerControls"/>
+    </ImageTagsTaxHTField>
+    <TaxCatchAll xmlns="230e9df3-be65-4c73-a93b-d1236ebd677e" xsi:nil="true"/>
+    <MediaServiceKeyPoints xmlns="71af3243-3dd4-4a8d-8c0d-dd76da1f02a5" xsi:nil="true"/>
+  </documentManagement>
+</p:properties>
+</file>
+
 <file path=customXml/itemProps1.xml><?xml version="1.0" encoding="utf-8"?>
 <ds:datastoreItem xmlns:ds="http://schemas.openxmlformats.org/officeDocument/2006/customXml" ds:itemID="{19DAD249-BF80-48EF-9AFB-36A11BCDC2CE}">
   <ds:schemaRefs>
@@ -6697,18 +7589,6 @@
 </file>
 
 <file path=customXml/itemProps2.xml><?xml version="1.0" encoding="utf-8"?>
-<ds:datastoreItem xmlns:ds="http://schemas.openxmlformats.org/officeDocument/2006/customXml" ds:itemID="{6F4F4D41-822D-40F2-A7AC-E4E6CB36CA7A}">
-  <ds:schemaRefs>
-    <ds:schemaRef ds:uri="http://schemas.microsoft.com/office/2006/metadata/properties"/>
-    <ds:schemaRef ds:uri="http://schemas.microsoft.com/office/infopath/2007/PartnerControls"/>
-    <ds:schemaRef ds:uri="http://schemas.microsoft.com/sharepoint/v3"/>
-    <ds:schemaRef ds:uri="71af3243-3dd4-4a8d-8c0d-dd76da1f02a5"/>
-    <ds:schemaRef ds:uri="230e9df3-be65-4c73-a93b-d1236ebd677e"/>
-  </ds:schemaRefs>
-</ds:datastoreItem>
-</file>
-
-<file path=customXml/itemProps3.xml><?xml version="1.0" encoding="utf-8"?>
 <ds:datastoreItem xmlns:ds="http://schemas.openxmlformats.org/officeDocument/2006/customXml" ds:itemID="{C5A59D56-2157-4202-9D02-F44E447A241D}">
   <ds:schemaRefs>
     <ds:schemaRef ds:uri="http://schemas.microsoft.com/office/2006/metadata/contentType"/>
@@ -6727,4 +7607,16 @@
     <ds:schemaRef ds:uri="http://schemas.microsoft.com/internal/obd"/>
   </ds:schemaRefs>
 </ds:datastoreItem>
+</file>
+
+<file path=customXml/itemProps3.xml><?xml version="1.0" encoding="utf-8"?>
+<ds:datastoreItem xmlns:ds="http://schemas.openxmlformats.org/officeDocument/2006/customXml" ds:itemID="{6F4F4D41-822D-40F2-A7AC-E4E6CB36CA7A}">
+  <ds:schemaRefs>
+    <ds:schemaRef ds:uri="http://schemas.microsoft.com/office/2006/metadata/properties"/>
+    <ds:schemaRef ds:uri="http://schemas.microsoft.com/office/infopath/2007/PartnerControls"/>
+    <ds:schemaRef ds:uri="http://schemas.microsoft.com/sharepoint/v3"/>
+    <ds:schemaRef ds:uri="71af3243-3dd4-4a8d-8c0d-dd76da1f02a5"/>
+    <ds:schemaRef ds:uri="230e9df3-be65-4c73-a93b-d1236ebd677e"/>
+  </ds:schemaRefs>
+</ds:datastoreItem>
 </file>